--- a/MeetUPPresentation_latest.pptx
+++ b/MeetUPPresentation_latest.pptx
@@ -5,7 +5,7 @@
     <p:sldMasterId id="2147483660" r:id="rId1"/>
   </p:sldMasterIdLst>
   <p:notesMasterIdLst>
-    <p:notesMasterId r:id="rId24"/>
+    <p:notesMasterId r:id="rId25"/>
   </p:notesMasterIdLst>
   <p:sldIdLst>
     <p:sldId id="256" r:id="rId2"/>
@@ -20,16 +20,17 @@
     <p:sldId id="282" r:id="rId11"/>
     <p:sldId id="283" r:id="rId12"/>
     <p:sldId id="284" r:id="rId13"/>
-    <p:sldId id="285" r:id="rId14"/>
+    <p:sldId id="300" r:id="rId14"/>
     <p:sldId id="286" r:id="rId15"/>
-    <p:sldId id="287" r:id="rId16"/>
-    <p:sldId id="289" r:id="rId17"/>
-    <p:sldId id="290" r:id="rId18"/>
-    <p:sldId id="288" r:id="rId19"/>
-    <p:sldId id="291" r:id="rId20"/>
-    <p:sldId id="292" r:id="rId21"/>
-    <p:sldId id="293" r:id="rId22"/>
-    <p:sldId id="297" r:id="rId23"/>
+    <p:sldId id="285" r:id="rId16"/>
+    <p:sldId id="287" r:id="rId17"/>
+    <p:sldId id="289" r:id="rId18"/>
+    <p:sldId id="290" r:id="rId19"/>
+    <p:sldId id="288" r:id="rId20"/>
+    <p:sldId id="291" r:id="rId21"/>
+    <p:sldId id="292" r:id="rId22"/>
+    <p:sldId id="293" r:id="rId23"/>
+    <p:sldId id="297" r:id="rId24"/>
   </p:sldIdLst>
   <p:sldSz cx="12192000" cy="6858000"/>
   <p:notesSz cx="6858000" cy="9144000"/>
@@ -23044,7 +23045,7 @@
         </p:nvSpPr>
         <p:spPr>
           <a:xfrm>
-            <a:off x="838200" y="0"/>
+            <a:off x="688110" y="0"/>
             <a:ext cx="10515600" cy="1325563"/>
           </a:xfrm>
         </p:spPr>
@@ -23072,51 +23073,444 @@
       </p:sp>
       <p:sp>
         <p:nvSpPr>
-          <p:cNvPr id="5" name="Content Placeholder 4"/>
-          <p:cNvSpPr>
-            <a:spLocks noGrp="1"/>
-          </p:cNvSpPr>
-          <p:nvPr>
-            <p:ph idx="1"/>
-          </p:nvPr>
+          <p:cNvPr id="3" name="Rectangle 2"/>
+          <p:cNvSpPr/>
+          <p:nvPr/>
         </p:nvSpPr>
-        <p:spPr/>
-        <p:txBody>
-          <a:bodyPr/>
-          <a:lstStyle/>
-          <a:p>
-            <a:endParaRPr lang="ru-RU" dirty="0"/>
-          </a:p>
-        </p:txBody>
-      </p:sp>
-      <p:pic>
-        <p:nvPicPr>
-          <p:cNvPr id="6" name="Picture 5"/>
-          <p:cNvPicPr>
-            <a:picLocks noChangeAspect="1"/>
-          </p:cNvPicPr>
-          <p:nvPr/>
-        </p:nvPicPr>
-        <p:blipFill>
-          <a:blip r:embed="rId4"/>
-          <a:stretch>
-            <a:fillRect/>
-          </a:stretch>
-        </p:blipFill>
         <p:spPr>
           <a:xfrm>
-            <a:off x="606126" y="1552575"/>
-            <a:ext cx="10078350" cy="4831749"/>
+            <a:off x="3632887" y="1651322"/>
+            <a:ext cx="3122140" cy="914400"/>
           </a:xfrm>
           <a:prstGeom prst="rect">
             <a:avLst/>
           </a:prstGeom>
         </p:spPr>
-      </p:pic>
+        <p:style>
+          <a:lnRef idx="2">
+            <a:schemeClr val="accent1">
+              <a:shade val="50000"/>
+            </a:schemeClr>
+          </a:lnRef>
+          <a:fillRef idx="1">
+            <a:schemeClr val="accent1"/>
+          </a:fillRef>
+          <a:effectRef idx="0">
+            <a:schemeClr val="accent1"/>
+          </a:effectRef>
+          <a:fontRef idx="minor">
+            <a:schemeClr val="lt1"/>
+          </a:fontRef>
+        </p:style>
+        <p:txBody>
+          <a:bodyPr rtlCol="0" anchor="ctr"/>
+          <a:lstStyle/>
+          <a:p>
+            <a:pPr algn="ctr"/>
+            <a:r>
+              <a:rPr lang="en-US" dirty="0" smtClean="0"/>
+              <a:t>Test Automation Framework</a:t>
+            </a:r>
+            <a:endParaRPr lang="ru-RU" dirty="0"/>
+          </a:p>
+        </p:txBody>
+      </p:sp>
+      <p:sp>
+        <p:nvSpPr>
+          <p:cNvPr id="4" name="Rectangle 3"/>
+          <p:cNvSpPr/>
+          <p:nvPr/>
+        </p:nvSpPr>
+        <p:spPr>
+          <a:xfrm>
+            <a:off x="7850660" y="3410465"/>
+            <a:ext cx="1120346" cy="914400"/>
+          </a:xfrm>
+          <a:prstGeom prst="rect">
+            <a:avLst/>
+          </a:prstGeom>
+        </p:spPr>
+        <p:style>
+          <a:lnRef idx="2">
+            <a:schemeClr val="accent1">
+              <a:shade val="50000"/>
+            </a:schemeClr>
+          </a:lnRef>
+          <a:fillRef idx="1">
+            <a:schemeClr val="accent1"/>
+          </a:fillRef>
+          <a:effectRef idx="0">
+            <a:schemeClr val="accent1"/>
+          </a:effectRef>
+          <a:fontRef idx="minor">
+            <a:schemeClr val="lt1"/>
+          </a:fontRef>
+        </p:style>
+        <p:txBody>
+          <a:bodyPr rtlCol="0" anchor="ctr"/>
+          <a:lstStyle/>
+          <a:p>
+            <a:pPr algn="ctr"/>
+            <a:r>
+              <a:rPr lang="en-US" dirty="0" smtClean="0"/>
+              <a:t>Tests</a:t>
+            </a:r>
+            <a:endParaRPr lang="ru-RU" dirty="0"/>
+          </a:p>
+        </p:txBody>
+      </p:sp>
+      <p:sp>
+        <p:nvSpPr>
+          <p:cNvPr id="5" name="Rectangle 4"/>
+          <p:cNvSpPr/>
+          <p:nvPr/>
+        </p:nvSpPr>
+        <p:spPr>
+          <a:xfrm>
+            <a:off x="1647568" y="3410465"/>
+            <a:ext cx="1219200" cy="914400"/>
+          </a:xfrm>
+          <a:prstGeom prst="rect">
+            <a:avLst/>
+          </a:prstGeom>
+        </p:spPr>
+        <p:style>
+          <a:lnRef idx="2">
+            <a:schemeClr val="accent1">
+              <a:shade val="50000"/>
+            </a:schemeClr>
+          </a:lnRef>
+          <a:fillRef idx="1">
+            <a:schemeClr val="accent1"/>
+          </a:fillRef>
+          <a:effectRef idx="0">
+            <a:schemeClr val="accent1"/>
+          </a:effectRef>
+          <a:fontRef idx="minor">
+            <a:schemeClr val="lt1"/>
+          </a:fontRef>
+        </p:style>
+        <p:txBody>
+          <a:bodyPr rtlCol="0" anchor="ctr"/>
+          <a:lstStyle/>
+          <a:p>
+            <a:pPr algn="ctr"/>
+            <a:r>
+              <a:rPr lang="en-US" dirty="0" smtClean="0"/>
+              <a:t>Helpers</a:t>
+            </a:r>
+            <a:endParaRPr lang="ru-RU" dirty="0"/>
+          </a:p>
+        </p:txBody>
+      </p:sp>
+      <p:sp>
+        <p:nvSpPr>
+          <p:cNvPr id="6" name="Rectangle 5"/>
+          <p:cNvSpPr/>
+          <p:nvPr/>
+        </p:nvSpPr>
+        <p:spPr>
+          <a:xfrm>
+            <a:off x="6433750" y="5169608"/>
+            <a:ext cx="1318055" cy="914400"/>
+          </a:xfrm>
+          <a:prstGeom prst="rect">
+            <a:avLst/>
+          </a:prstGeom>
+        </p:spPr>
+        <p:style>
+          <a:lnRef idx="2">
+            <a:schemeClr val="accent1">
+              <a:shade val="50000"/>
+            </a:schemeClr>
+          </a:lnRef>
+          <a:fillRef idx="1">
+            <a:schemeClr val="accent1"/>
+          </a:fillRef>
+          <a:effectRef idx="0">
+            <a:schemeClr val="accent1"/>
+          </a:effectRef>
+          <a:fontRef idx="minor">
+            <a:schemeClr val="lt1"/>
+          </a:fontRef>
+        </p:style>
+        <p:txBody>
+          <a:bodyPr rtlCol="0" anchor="ctr"/>
+          <a:lstStyle/>
+          <a:p>
+            <a:pPr algn="ctr"/>
+            <a:r>
+              <a:rPr lang="en-US" dirty="0" smtClean="0"/>
+              <a:t>Test Data</a:t>
+            </a:r>
+            <a:endParaRPr lang="ru-RU" dirty="0"/>
+          </a:p>
+        </p:txBody>
+      </p:sp>
+      <p:sp>
+        <p:nvSpPr>
+          <p:cNvPr id="7" name="Rectangle 6"/>
+          <p:cNvSpPr/>
+          <p:nvPr/>
+        </p:nvSpPr>
+        <p:spPr>
+          <a:xfrm>
+            <a:off x="9082218" y="5169608"/>
+            <a:ext cx="1515762" cy="914400"/>
+          </a:xfrm>
+          <a:prstGeom prst="rect">
+            <a:avLst/>
+          </a:prstGeom>
+        </p:spPr>
+        <p:style>
+          <a:lnRef idx="2">
+            <a:schemeClr val="accent1">
+              <a:shade val="50000"/>
+            </a:schemeClr>
+          </a:lnRef>
+          <a:fillRef idx="1">
+            <a:schemeClr val="accent1"/>
+          </a:fillRef>
+          <a:effectRef idx="0">
+            <a:schemeClr val="accent1"/>
+          </a:effectRef>
+          <a:fontRef idx="minor">
+            <a:schemeClr val="lt1"/>
+          </a:fontRef>
+        </p:style>
+        <p:txBody>
+          <a:bodyPr rtlCol="0" anchor="ctr"/>
+          <a:lstStyle/>
+          <a:p>
+            <a:pPr algn="ctr"/>
+            <a:r>
+              <a:rPr lang="en-US" dirty="0" smtClean="0"/>
+              <a:t>Test Objects</a:t>
+            </a:r>
+            <a:endParaRPr lang="ru-RU" dirty="0"/>
+          </a:p>
+        </p:txBody>
+      </p:sp>
+      <p:sp>
+        <p:nvSpPr>
+          <p:cNvPr id="10" name="Rectangle 9"/>
+          <p:cNvSpPr/>
+          <p:nvPr/>
+        </p:nvSpPr>
+        <p:spPr>
+          <a:xfrm>
+            <a:off x="1647568" y="5169608"/>
+            <a:ext cx="1219200" cy="914400"/>
+          </a:xfrm>
+          <a:prstGeom prst="rect">
+            <a:avLst/>
+          </a:prstGeom>
+        </p:spPr>
+        <p:style>
+          <a:lnRef idx="2">
+            <a:schemeClr val="accent1">
+              <a:shade val="50000"/>
+            </a:schemeClr>
+          </a:lnRef>
+          <a:fillRef idx="1">
+            <a:schemeClr val="accent1"/>
+          </a:fillRef>
+          <a:effectRef idx="0">
+            <a:schemeClr val="accent1"/>
+          </a:effectRef>
+          <a:fontRef idx="minor">
+            <a:schemeClr val="lt1"/>
+          </a:fontRef>
+        </p:style>
+        <p:txBody>
+          <a:bodyPr rtlCol="0" anchor="ctr"/>
+          <a:lstStyle/>
+          <a:p>
+            <a:pPr algn="ctr"/>
+            <a:r>
+              <a:rPr lang="en-US" dirty="0" smtClean="0"/>
+              <a:t>Helper Objects</a:t>
+            </a:r>
+            <a:endParaRPr lang="ru-RU" dirty="0"/>
+          </a:p>
+        </p:txBody>
+      </p:sp>
+      <p:cxnSp>
+        <p:nvCxnSpPr>
+          <p:cNvPr id="21" name="Straight Arrow Connector 20"/>
+          <p:cNvCxnSpPr/>
+          <p:nvPr/>
+        </p:nvCxnSpPr>
+        <p:spPr>
+          <a:xfrm flipH="1">
+            <a:off x="2454876" y="2565722"/>
+            <a:ext cx="1738183" cy="844743"/>
+          </a:xfrm>
+          <a:prstGeom prst="straightConnector1">
+            <a:avLst/>
+          </a:prstGeom>
+          <a:ln>
+            <a:tailEnd type="triangle"/>
+          </a:ln>
+        </p:spPr>
+        <p:style>
+          <a:lnRef idx="1">
+            <a:schemeClr val="accent1"/>
+          </a:lnRef>
+          <a:fillRef idx="0">
+            <a:schemeClr val="accent1"/>
+          </a:fillRef>
+          <a:effectRef idx="0">
+            <a:schemeClr val="accent1"/>
+          </a:effectRef>
+          <a:fontRef idx="minor">
+            <a:schemeClr val="tx1"/>
+          </a:fontRef>
+        </p:style>
+      </p:cxnSp>
+      <p:cxnSp>
+        <p:nvCxnSpPr>
+          <p:cNvPr id="23" name="Straight Arrow Connector 22"/>
+          <p:cNvCxnSpPr/>
+          <p:nvPr/>
+        </p:nvCxnSpPr>
+        <p:spPr>
+          <a:xfrm>
+            <a:off x="6293708" y="2565722"/>
+            <a:ext cx="1952368" cy="844743"/>
+          </a:xfrm>
+          <a:prstGeom prst="straightConnector1">
+            <a:avLst/>
+          </a:prstGeom>
+          <a:ln>
+            <a:tailEnd type="triangle"/>
+          </a:ln>
+        </p:spPr>
+        <p:style>
+          <a:lnRef idx="1">
+            <a:schemeClr val="accent1"/>
+          </a:lnRef>
+          <a:fillRef idx="0">
+            <a:schemeClr val="accent1"/>
+          </a:fillRef>
+          <a:effectRef idx="0">
+            <a:schemeClr val="accent1"/>
+          </a:effectRef>
+          <a:fontRef idx="minor">
+            <a:schemeClr val="tx1"/>
+          </a:fontRef>
+        </p:style>
+      </p:cxnSp>
+      <p:cxnSp>
+        <p:nvCxnSpPr>
+          <p:cNvPr id="25" name="Straight Arrow Connector 24"/>
+          <p:cNvCxnSpPr>
+            <a:stCxn id="5" idx="2"/>
+            <a:endCxn id="10" idx="0"/>
+          </p:cNvCxnSpPr>
+          <p:nvPr/>
+        </p:nvCxnSpPr>
+        <p:spPr>
+          <a:xfrm>
+            <a:off x="2257168" y="4324865"/>
+            <a:ext cx="0" cy="844743"/>
+          </a:xfrm>
+          <a:prstGeom prst="straightConnector1">
+            <a:avLst/>
+          </a:prstGeom>
+          <a:ln>
+            <a:tailEnd type="triangle"/>
+          </a:ln>
+        </p:spPr>
+        <p:style>
+          <a:lnRef idx="1">
+            <a:schemeClr val="accent1"/>
+          </a:lnRef>
+          <a:fillRef idx="0">
+            <a:schemeClr val="accent1"/>
+          </a:fillRef>
+          <a:effectRef idx="0">
+            <a:schemeClr val="accent1"/>
+          </a:effectRef>
+          <a:fontRef idx="minor">
+            <a:schemeClr val="tx1"/>
+          </a:fontRef>
+        </p:style>
+      </p:cxnSp>
+      <p:cxnSp>
+        <p:nvCxnSpPr>
+          <p:cNvPr id="27" name="Straight Arrow Connector 26"/>
+          <p:cNvCxnSpPr>
+            <a:endCxn id="6" idx="0"/>
+          </p:cNvCxnSpPr>
+          <p:nvPr/>
+        </p:nvCxnSpPr>
+        <p:spPr>
+          <a:xfrm flipH="1">
+            <a:off x="7092778" y="4324865"/>
+            <a:ext cx="1153298" cy="844743"/>
+          </a:xfrm>
+          <a:prstGeom prst="straightConnector1">
+            <a:avLst/>
+          </a:prstGeom>
+          <a:ln>
+            <a:tailEnd type="triangle"/>
+          </a:ln>
+        </p:spPr>
+        <p:style>
+          <a:lnRef idx="1">
+            <a:schemeClr val="accent1"/>
+          </a:lnRef>
+          <a:fillRef idx="0">
+            <a:schemeClr val="accent1"/>
+          </a:fillRef>
+          <a:effectRef idx="0">
+            <a:schemeClr val="accent1"/>
+          </a:effectRef>
+          <a:fontRef idx="minor">
+            <a:schemeClr val="tx1"/>
+          </a:fontRef>
+        </p:style>
+      </p:cxnSp>
+      <p:cxnSp>
+        <p:nvCxnSpPr>
+          <p:cNvPr id="29" name="Straight Arrow Connector 28"/>
+          <p:cNvCxnSpPr>
+            <a:endCxn id="7" idx="0"/>
+          </p:cNvCxnSpPr>
+          <p:nvPr/>
+        </p:nvCxnSpPr>
+        <p:spPr>
+          <a:xfrm>
+            <a:off x="8707395" y="4324865"/>
+            <a:ext cx="1132704" cy="844743"/>
+          </a:xfrm>
+          <a:prstGeom prst="straightConnector1">
+            <a:avLst/>
+          </a:prstGeom>
+          <a:ln>
+            <a:tailEnd type="triangle"/>
+          </a:ln>
+        </p:spPr>
+        <p:style>
+          <a:lnRef idx="1">
+            <a:schemeClr val="accent1"/>
+          </a:lnRef>
+          <a:fillRef idx="0">
+            <a:schemeClr val="accent1"/>
+          </a:fillRef>
+          <a:effectRef idx="0">
+            <a:schemeClr val="accent1"/>
+          </a:effectRef>
+          <a:fontRef idx="minor">
+            <a:schemeClr val="tx1"/>
+          </a:fontRef>
+        </p:style>
+      </p:cxnSp>
     </p:spTree>
     <p:extLst>
       <p:ext uri="{BB962C8B-B14F-4D97-AF65-F5344CB8AC3E}">
-        <p14:creationId xmlns:p14="http://schemas.microsoft.com/office/powerpoint/2010/main" val="1439512494"/>
+        <p14:creationId xmlns:p14="http://schemas.microsoft.com/office/powerpoint/2010/main" val="3759118439"/>
       </p:ext>
     </p:extLst>
   </p:cSld>
@@ -23301,7 +23695,7 @@
         </p:nvSpPr>
         <p:spPr>
           <a:xfrm>
-            <a:off x="838201" y="60325"/>
+            <a:off x="838200" y="0"/>
             <a:ext cx="10515600" cy="1325563"/>
           </a:xfrm>
         </p:spPr>
@@ -23317,12 +23711,20 @@
               </a:spcBef>
             </a:pPr>
             <a:r>
-              <a:rPr lang="en-US" sz="2800" b="1" dirty="0">
+              <a:rPr lang="ru-RU" sz="2800" b="1" dirty="0" smtClean="0">
                 <a:latin typeface="+mn-lt"/>
                 <a:ea typeface="+mn-ea"/>
                 <a:cs typeface="+mn-cs"/>
               </a:rPr>
-              <a:t>Test layout structure</a:t>
+              <a:t>Реализация д</a:t>
+            </a:r>
+            <a:r>
+              <a:rPr lang="ru-RU" sz="2800" b="1" dirty="0" smtClean="0">
+                <a:latin typeface="+mn-lt"/>
+                <a:ea typeface="+mn-ea"/>
+                <a:cs typeface="+mn-cs"/>
+              </a:rPr>
+              <a:t>вухуровневой архитектуры</a:t>
             </a:r>
             <a:endParaRPr lang="ru-RU" sz="2800" b="1" dirty="0">
               <a:latin typeface="+mn-lt"/>
@@ -23332,15 +23734,32 @@
           </a:p>
         </p:txBody>
       </p:sp>
-      <p:pic>
-        <p:nvPicPr>
-          <p:cNvPr id="4" name="Content Placeholder 3"/>
-          <p:cNvPicPr>
-            <a:picLocks noGrp="1" noChangeAspect="1"/>
-          </p:cNvPicPr>
+      <p:sp>
+        <p:nvSpPr>
+          <p:cNvPr id="5" name="Content Placeholder 4"/>
+          <p:cNvSpPr>
+            <a:spLocks noGrp="1"/>
+          </p:cNvSpPr>
           <p:nvPr>
             <p:ph idx="1"/>
           </p:nvPr>
+        </p:nvSpPr>
+        <p:spPr/>
+        <p:txBody>
+          <a:bodyPr/>
+          <a:lstStyle/>
+          <a:p>
+            <a:endParaRPr lang="ru-RU" dirty="0"/>
+          </a:p>
+        </p:txBody>
+      </p:sp>
+      <p:pic>
+        <p:nvPicPr>
+          <p:cNvPr id="6" name="Picture 5"/>
+          <p:cNvPicPr>
+            <a:picLocks noChangeAspect="1"/>
+          </p:cNvPicPr>
+          <p:nvPr/>
         </p:nvPicPr>
         <p:blipFill>
           <a:blip r:embed="rId4"/>
@@ -23350,104 +23769,18 @@
         </p:blipFill>
         <p:spPr>
           <a:xfrm>
-            <a:off x="352553" y="1690688"/>
-            <a:ext cx="6791325" cy="3771900"/>
+            <a:off x="606126" y="1552575"/>
+            <a:ext cx="10078350" cy="4831749"/>
           </a:xfrm>
           <a:prstGeom prst="rect">
             <a:avLst/>
           </a:prstGeom>
         </p:spPr>
       </p:pic>
-      <p:sp>
-        <p:nvSpPr>
-          <p:cNvPr id="5" name="TextBox 4"/>
-          <p:cNvSpPr txBox="1"/>
-          <p:nvPr/>
-        </p:nvSpPr>
-        <p:spPr>
-          <a:xfrm>
-            <a:off x="7339915" y="2265405"/>
-            <a:ext cx="4013886" cy="2585323"/>
-          </a:xfrm>
-          <a:prstGeom prst="rect">
-            <a:avLst/>
-          </a:prstGeom>
-          <a:noFill/>
-        </p:spPr>
-        <p:txBody>
-          <a:bodyPr wrap="square" rtlCol="0">
-            <a:spAutoFit/>
-          </a:bodyPr>
-          <a:lstStyle/>
-          <a:p>
-            <a:r>
-              <a:rPr lang="en-US" b="1" dirty="0" err="1" smtClean="0"/>
-              <a:t>TestBase</a:t>
-            </a:r>
-            <a:r>
-              <a:rPr lang="ru-RU" b="1" dirty="0" smtClean="0"/>
-              <a:t> </a:t>
-            </a:r>
-            <a:r>
-              <a:rPr lang="en-US" dirty="0" smtClean="0"/>
-              <a:t>- </a:t>
-            </a:r>
-            <a:r>
-              <a:rPr lang="ru-RU" dirty="0" smtClean="0"/>
-              <a:t>класс, содержащий общие методы для всех тест </a:t>
-            </a:r>
-            <a:r>
-              <a:rPr lang="ru-RU" dirty="0" err="1" smtClean="0"/>
-              <a:t>сьютов</a:t>
-            </a:r>
-            <a:r>
-              <a:rPr lang="ru-RU" dirty="0" smtClean="0"/>
-              <a:t>. Остальные тестовые классы являются его наследниками.</a:t>
-            </a:r>
-          </a:p>
-          <a:p>
-            <a:r>
-              <a:rPr lang="en-US" b="1" dirty="0" err="1" smtClean="0"/>
-              <a:t>ContactCreationTests</a:t>
-            </a:r>
-            <a:r>
-              <a:rPr lang="en-US" b="1" dirty="0" smtClean="0"/>
-              <a:t>, </a:t>
-            </a:r>
-            <a:r>
-              <a:rPr lang="en-US" b="1" dirty="0" err="1" smtClean="0"/>
-              <a:t>ContactDeletionTests</a:t>
-            </a:r>
-            <a:r>
-              <a:rPr lang="en-US" b="1" dirty="0" smtClean="0"/>
-              <a:t> </a:t>
-            </a:r>
-            <a:r>
-              <a:rPr lang="en-US" dirty="0" smtClean="0"/>
-              <a:t>– </a:t>
-            </a:r>
-            <a:r>
-              <a:rPr lang="ru-RU" dirty="0" smtClean="0"/>
-              <a:t>тест </a:t>
-            </a:r>
-            <a:r>
-              <a:rPr lang="ru-RU" dirty="0" err="1" smtClean="0"/>
-              <a:t>сьюты</a:t>
-            </a:r>
-            <a:r>
-              <a:rPr lang="ru-RU" dirty="0" smtClean="0"/>
-              <a:t>, содержащие определенный набор тестов. </a:t>
-            </a:r>
-          </a:p>
-          <a:p>
-            <a:endParaRPr lang="ru-RU" dirty="0"/>
-          </a:p>
-        </p:txBody>
-      </p:sp>
     </p:spTree>
     <p:extLst>
       <p:ext uri="{BB962C8B-B14F-4D97-AF65-F5344CB8AC3E}">
-        <p14:creationId xmlns:p14="http://schemas.microsoft.com/office/powerpoint/2010/main" val="1968362803"/>
+        <p14:creationId xmlns:p14="http://schemas.microsoft.com/office/powerpoint/2010/main" val="1439512494"/>
       </p:ext>
     </p:extLst>
   </p:cSld>
@@ -23507,13 +23840,13 @@
         </p:nvSpPr>
         <p:spPr>
           <a:xfrm>
-            <a:off x="722870" y="205946"/>
-            <a:ext cx="10515600" cy="362466"/>
+            <a:off x="838201" y="60325"/>
+            <a:ext cx="10515600" cy="1325563"/>
           </a:xfrm>
         </p:spPr>
         <p:txBody>
           <a:bodyPr>
-            <a:normAutofit fontScale="90000"/>
+            <a:normAutofit/>
           </a:bodyPr>
           <a:lstStyle/>
           <a:p>
@@ -23523,58 +23856,30 @@
               </a:spcBef>
             </a:pPr>
             <a:r>
-              <a:rPr lang="ru-RU" dirty="0" smtClean="0"/>
-              <a:t/>
-            </a:r>
-            <a:br>
-              <a:rPr lang="ru-RU" dirty="0" smtClean="0"/>
-            </a:br>
-            <a:r>
-              <a:rPr lang="ru-RU" sz="2800" b="1" dirty="0">
+              <a:rPr lang="en-US" sz="2800" b="1" dirty="0">
                 <a:latin typeface="+mn-lt"/>
                 <a:ea typeface="+mn-ea"/>
                 <a:cs typeface="+mn-cs"/>
               </a:rPr>
-              <a:t>Структура взаимодействия с системой</a:t>
-            </a:r>
-          </a:p>
-        </p:txBody>
-      </p:sp>
-      <p:sp>
-        <p:nvSpPr>
-          <p:cNvPr id="3" name="Content Placeholder 2"/>
-          <p:cNvSpPr>
-            <a:spLocks noGrp="1"/>
-          </p:cNvSpPr>
-          <p:nvPr>
-            <p:ph idx="1"/>
-          </p:nvPr>
-        </p:nvSpPr>
-        <p:spPr/>
-        <p:txBody>
-          <a:bodyPr/>
-          <a:lstStyle/>
-          <a:p>
-            <a:endParaRPr lang="ru-RU" dirty="0" smtClean="0"/>
-          </a:p>
-          <a:p>
-            <a:endParaRPr lang="ru-RU" dirty="0" smtClean="0"/>
-          </a:p>
-          <a:p>
-            <a:pPr marL="1828800" lvl="4" indent="0">
-              <a:buNone/>
-            </a:pPr>
-            <a:endParaRPr lang="ru-RU" dirty="0"/>
+              <a:t>Test layout structure</a:t>
+            </a:r>
+            <a:endParaRPr lang="ru-RU" sz="2800" b="1" dirty="0">
+              <a:latin typeface="+mn-lt"/>
+              <a:ea typeface="+mn-ea"/>
+              <a:cs typeface="+mn-cs"/>
+            </a:endParaRPr>
           </a:p>
         </p:txBody>
       </p:sp>
       <p:pic>
         <p:nvPicPr>
-          <p:cNvPr id="5" name="Picture 4"/>
+          <p:cNvPr id="4" name="Content Placeholder 3"/>
           <p:cNvPicPr>
-            <a:picLocks noChangeAspect="1"/>
+            <a:picLocks noGrp="1" noChangeAspect="1"/>
           </p:cNvPicPr>
-          <p:nvPr/>
+          <p:nvPr>
+            <p:ph idx="1"/>
+          </p:nvPr>
         </p:nvPicPr>
         <p:blipFill>
           <a:blip r:embed="rId4"/>
@@ -23584,18 +23889,104 @@
         </p:blipFill>
         <p:spPr>
           <a:xfrm>
-            <a:off x="1100894" y="1825625"/>
-            <a:ext cx="8896350" cy="4752975"/>
+            <a:off x="352553" y="1690688"/>
+            <a:ext cx="6791325" cy="3771900"/>
           </a:xfrm>
           <a:prstGeom prst="rect">
             <a:avLst/>
           </a:prstGeom>
         </p:spPr>
       </p:pic>
+      <p:sp>
+        <p:nvSpPr>
+          <p:cNvPr id="5" name="TextBox 4"/>
+          <p:cNvSpPr txBox="1"/>
+          <p:nvPr/>
+        </p:nvSpPr>
+        <p:spPr>
+          <a:xfrm>
+            <a:off x="7339915" y="2265405"/>
+            <a:ext cx="4013886" cy="2585323"/>
+          </a:xfrm>
+          <a:prstGeom prst="rect">
+            <a:avLst/>
+          </a:prstGeom>
+          <a:noFill/>
+        </p:spPr>
+        <p:txBody>
+          <a:bodyPr wrap="square" rtlCol="0">
+            <a:spAutoFit/>
+          </a:bodyPr>
+          <a:lstStyle/>
+          <a:p>
+            <a:r>
+              <a:rPr lang="en-US" b="1" dirty="0" err="1" smtClean="0"/>
+              <a:t>TestBase</a:t>
+            </a:r>
+            <a:r>
+              <a:rPr lang="ru-RU" b="1" dirty="0" smtClean="0"/>
+              <a:t> </a:t>
+            </a:r>
+            <a:r>
+              <a:rPr lang="en-US" dirty="0" smtClean="0"/>
+              <a:t>- </a:t>
+            </a:r>
+            <a:r>
+              <a:rPr lang="ru-RU" dirty="0" smtClean="0"/>
+              <a:t>класс, содержащий общие методы для всех тест </a:t>
+            </a:r>
+            <a:r>
+              <a:rPr lang="ru-RU" dirty="0" err="1" smtClean="0"/>
+              <a:t>сьютов</a:t>
+            </a:r>
+            <a:r>
+              <a:rPr lang="ru-RU" dirty="0" smtClean="0"/>
+              <a:t>. Остальные тестовые классы являются его наследниками.</a:t>
+            </a:r>
+          </a:p>
+          <a:p>
+            <a:r>
+              <a:rPr lang="en-US" b="1" dirty="0" err="1" smtClean="0"/>
+              <a:t>ContactCreationTests</a:t>
+            </a:r>
+            <a:r>
+              <a:rPr lang="en-US" b="1" dirty="0" smtClean="0"/>
+              <a:t>, </a:t>
+            </a:r>
+            <a:r>
+              <a:rPr lang="en-US" b="1" dirty="0" err="1" smtClean="0"/>
+              <a:t>ContactDeletionTests</a:t>
+            </a:r>
+            <a:r>
+              <a:rPr lang="en-US" b="1" dirty="0" smtClean="0"/>
+              <a:t> </a:t>
+            </a:r>
+            <a:r>
+              <a:rPr lang="en-US" dirty="0" smtClean="0"/>
+              <a:t>– </a:t>
+            </a:r>
+            <a:r>
+              <a:rPr lang="ru-RU" dirty="0" smtClean="0"/>
+              <a:t>тест </a:t>
+            </a:r>
+            <a:r>
+              <a:rPr lang="ru-RU" dirty="0" err="1" smtClean="0"/>
+              <a:t>сьюты</a:t>
+            </a:r>
+            <a:r>
+              <a:rPr lang="ru-RU" dirty="0" smtClean="0"/>
+              <a:t>, содержащие определенный набор тестов. </a:t>
+            </a:r>
+          </a:p>
+          <a:p>
+            <a:endParaRPr lang="ru-RU" dirty="0"/>
+          </a:p>
+        </p:txBody>
+      </p:sp>
     </p:spTree>
     <p:extLst>
       <p:ext uri="{BB962C8B-B14F-4D97-AF65-F5344CB8AC3E}">
-        <p14:creationId xmlns:p14="http://schemas.microsoft.com/office/powerpoint/2010/main" val="3771000454"/>
+        <p14:creationId xmlns:p14="http://schemas.microsoft.com/office/powerpoint/2010/main" val="1968362803"/>
       </p:ext>
     </p:extLst>
   </p:cSld>
@@ -23655,13 +24046,13 @@
         </p:nvSpPr>
         <p:spPr>
           <a:xfrm>
-            <a:off x="772297" y="0"/>
-            <a:ext cx="10515600" cy="1325563"/>
+            <a:off x="722870" y="205946"/>
+            <a:ext cx="10515600" cy="362466"/>
           </a:xfrm>
         </p:spPr>
         <p:txBody>
           <a:bodyPr>
-            <a:normAutofit/>
+            <a:normAutofit fontScale="90000"/>
           </a:bodyPr>
           <a:lstStyle/>
           <a:p>
@@ -23671,12 +24062,19 @@
               </a:spcBef>
             </a:pPr>
             <a:r>
+              <a:rPr lang="ru-RU" dirty="0" smtClean="0"/>
+              <a:t/>
+            </a:r>
+            <a:br>
+              <a:rPr lang="ru-RU" dirty="0" smtClean="0"/>
+            </a:br>
+            <a:r>
               <a:rPr lang="ru-RU" sz="2800" b="1" dirty="0">
                 <a:latin typeface="+mn-lt"/>
                 <a:ea typeface="+mn-ea"/>
                 <a:cs typeface="+mn-cs"/>
               </a:rPr>
-              <a:t>Описание структуры взаимодействия с системой</a:t>
+              <a:t>Структура взаимодействия с системой</a:t>
             </a:r>
           </a:p>
         </p:txBody>
@@ -23693,131 +24091,50 @@
         </p:nvSpPr>
         <p:spPr/>
         <p:txBody>
-          <a:bodyPr>
-            <a:normAutofit/>
-          </a:bodyPr>
+          <a:bodyPr/>
           <a:lstStyle/>
           <a:p>
-            <a:r>
-              <a:rPr lang="en-US" sz="2100" b="1" i="1" dirty="0" err="1"/>
-              <a:t>ApplicationManager</a:t>
-            </a:r>
-            <a:r>
-              <a:rPr lang="en-US" sz="2100" b="1" i="1" dirty="0"/>
-              <a:t> – </a:t>
-            </a:r>
-            <a:r>
-              <a:rPr lang="ru-RU" sz="1800" i="1" dirty="0"/>
-              <a:t>класс, где прописаны инициализация драйвера и классов помощников</a:t>
-            </a:r>
-            <a:r>
-              <a:rPr lang="ru-RU" sz="1800" i="1" dirty="0" smtClean="0"/>
-              <a:t>.</a:t>
-            </a:r>
-            <a:r>
-              <a:rPr lang="ru-RU" sz="1800" dirty="0"/>
-              <a:t> </a:t>
-            </a:r>
-            <a:r>
-              <a:rPr lang="ru-RU" sz="1800" i="1" dirty="0"/>
-              <a:t>Класс </a:t>
-            </a:r>
-            <a:r>
-              <a:rPr lang="ru-RU" sz="1800" i="1" dirty="0"/>
-              <a:t>делегирует ответственность по </a:t>
-            </a:r>
-            <a:r>
-              <a:rPr lang="ru-RU" sz="1800" i="1" dirty="0"/>
-              <a:t>выполнению </a:t>
-            </a:r>
-            <a:r>
-              <a:rPr lang="ru-RU" sz="1800" i="1" dirty="0" smtClean="0"/>
-              <a:t>ролей </a:t>
-            </a:r>
-            <a:r>
-              <a:rPr lang="ru-RU" sz="1800" i="1" dirty="0"/>
-              <a:t>классам </a:t>
-            </a:r>
-            <a:r>
-              <a:rPr lang="en-US" sz="1800" i="1" dirty="0"/>
-              <a:t>Helper</a:t>
-            </a:r>
-            <a:endParaRPr lang="ru-RU" sz="1800" i="1" dirty="0"/>
-          </a:p>
-          <a:p>
-            <a:endParaRPr lang="ru-RU" sz="1800" i="1" dirty="0"/>
-          </a:p>
-          <a:p>
-            <a:r>
-              <a:rPr lang="en-US" sz="2100" b="1" i="1" dirty="0" err="1"/>
-              <a:t>HelperBase</a:t>
-            </a:r>
-            <a:r>
-              <a:rPr lang="en-US" sz="2100" b="1" i="1" dirty="0"/>
-              <a:t> – </a:t>
-            </a:r>
-            <a:r>
-              <a:rPr lang="ru-RU" sz="1800" i="1" dirty="0"/>
-              <a:t>базовый класс, содержащий общие методы, которые могут быть использованы в любой области (</a:t>
-            </a:r>
-            <a:r>
-              <a:rPr lang="en-US" sz="1800" i="1" dirty="0"/>
-              <a:t>click, type</a:t>
-            </a:r>
-            <a:r>
-              <a:rPr lang="ru-RU" sz="1800" i="1" dirty="0"/>
-              <a:t>).</a:t>
-            </a:r>
-            <a:endParaRPr lang="en-US" sz="1800" i="1" dirty="0"/>
-          </a:p>
-          <a:p>
-            <a:r>
-              <a:rPr lang="en-US" sz="2100" b="1" i="1" dirty="0" err="1"/>
-              <a:t>ContactHelper</a:t>
-            </a:r>
-            <a:r>
-              <a:rPr lang="en-US" sz="2100" b="1" i="1" dirty="0"/>
-              <a:t> – </a:t>
-            </a:r>
-            <a:r>
-              <a:rPr lang="ru-RU" sz="1800" i="1" dirty="0"/>
-              <a:t>класс, содержащий методы для работы с контактами.</a:t>
-            </a:r>
-          </a:p>
-          <a:p>
-            <a:r>
-              <a:rPr lang="en-US" sz="2100" b="1" i="1" dirty="0" err="1"/>
-              <a:t>NavigationHelper</a:t>
-            </a:r>
-            <a:r>
-              <a:rPr lang="en-US" sz="2100" b="1" i="1" dirty="0"/>
-              <a:t> – </a:t>
-            </a:r>
-            <a:r>
-              <a:rPr lang="ru-RU" sz="1800" i="1" dirty="0"/>
-              <a:t>класс, содержащий методы переходов между страницами.</a:t>
-            </a:r>
-          </a:p>
-          <a:p>
-            <a:r>
-              <a:rPr lang="en-US" sz="2100" b="1" i="1" dirty="0" err="1"/>
-              <a:t>SessionHelper</a:t>
-            </a:r>
-            <a:r>
-              <a:rPr lang="en-US" sz="2100" b="1" i="1" dirty="0"/>
-              <a:t> – </a:t>
-            </a:r>
-            <a:r>
-              <a:rPr lang="ru-RU" sz="1800" i="1" dirty="0"/>
-              <a:t>класс, содержащий методы для логина.</a:t>
-            </a:r>
+            <a:endParaRPr lang="ru-RU" dirty="0" smtClean="0"/>
+          </a:p>
+          <a:p>
+            <a:endParaRPr lang="ru-RU" dirty="0" smtClean="0"/>
+          </a:p>
+          <a:p>
+            <a:pPr marL="1828800" lvl="4" indent="0">
+              <a:buNone/>
+            </a:pPr>
+            <a:endParaRPr lang="ru-RU" dirty="0"/>
           </a:p>
         </p:txBody>
       </p:sp>
+      <p:pic>
+        <p:nvPicPr>
+          <p:cNvPr id="5" name="Picture 4"/>
+          <p:cNvPicPr>
+            <a:picLocks noChangeAspect="1"/>
+          </p:cNvPicPr>
+          <p:nvPr/>
+        </p:nvPicPr>
+        <p:blipFill>
+          <a:blip r:embed="rId4"/>
+          <a:stretch>
+            <a:fillRect/>
+          </a:stretch>
+        </p:blipFill>
+        <p:spPr>
+          <a:xfrm>
+            <a:off x="1100894" y="1825625"/>
+            <a:ext cx="8896350" cy="4752975"/>
+          </a:xfrm>
+          <a:prstGeom prst="rect">
+            <a:avLst/>
+          </a:prstGeom>
+        </p:spPr>
+      </p:pic>
     </p:spTree>
     <p:extLst>
       <p:ext uri="{BB962C8B-B14F-4D97-AF65-F5344CB8AC3E}">
-        <p14:creationId xmlns:p14="http://schemas.microsoft.com/office/powerpoint/2010/main" val="3903752888"/>
+        <p14:creationId xmlns:p14="http://schemas.microsoft.com/office/powerpoint/2010/main" val="3771000454"/>
       </p:ext>
     </p:extLst>
   </p:cSld>
@@ -23877,7 +24194,7 @@
         </p:nvSpPr>
         <p:spPr>
           <a:xfrm>
-            <a:off x="714632" y="0"/>
+            <a:off x="772297" y="0"/>
             <a:ext cx="10515600" cy="1325563"/>
           </a:xfrm>
         </p:spPr>
@@ -23898,113 +24215,149 @@
                 <a:ea typeface="+mn-ea"/>
                 <a:cs typeface="+mn-cs"/>
               </a:rPr>
-              <a:t>Структура связи тестов с системой</a:t>
+              <a:t>Описание структуры взаимодействия с системой</a:t>
             </a:r>
           </a:p>
         </p:txBody>
       </p:sp>
-      <p:pic>
-        <p:nvPicPr>
-          <p:cNvPr id="5" name="Content Placeholder 4"/>
-          <p:cNvPicPr>
-            <a:picLocks noGrp="1" noChangeAspect="1"/>
-          </p:cNvPicPr>
+      <p:sp>
+        <p:nvSpPr>
+          <p:cNvPr id="3" name="Content Placeholder 2"/>
+          <p:cNvSpPr>
+            <a:spLocks noGrp="1"/>
+          </p:cNvSpPr>
           <p:nvPr>
             <p:ph idx="1"/>
           </p:nvPr>
-        </p:nvPicPr>
-        <p:blipFill>
-          <a:blip r:embed="rId4"/>
-          <a:stretch>
-            <a:fillRect/>
-          </a:stretch>
-        </p:blipFill>
-        <p:spPr>
-          <a:xfrm>
-            <a:off x="1051309" y="1690688"/>
-            <a:ext cx="3728547" cy="4351338"/>
-          </a:xfrm>
-          <a:prstGeom prst="rect">
-            <a:avLst/>
-          </a:prstGeom>
-        </p:spPr>
-      </p:pic>
-      <p:sp>
-        <p:nvSpPr>
-          <p:cNvPr id="6" name="TextBox 5"/>
-          <p:cNvSpPr txBox="1"/>
-          <p:nvPr/>
         </p:nvSpPr>
-        <p:spPr>
-          <a:xfrm>
-            <a:off x="6373091" y="2065863"/>
-            <a:ext cx="4122667" cy="1200329"/>
-          </a:xfrm>
-          <a:prstGeom prst="rect">
-            <a:avLst/>
-          </a:prstGeom>
-          <a:noFill/>
-        </p:spPr>
+        <p:spPr/>
         <p:txBody>
-          <a:bodyPr wrap="none" rtlCol="0">
-            <a:spAutoFit/>
+          <a:bodyPr>
+            <a:normAutofit/>
           </a:bodyPr>
           <a:lstStyle/>
           <a:p>
             <a:r>
-              <a:rPr lang="ru-RU" dirty="0" smtClean="0"/>
-              <a:t>В основном тестовом классе создается </a:t>
-            </a:r>
-          </a:p>
-          <a:p>
-            <a:r>
-              <a:rPr lang="ru-RU" dirty="0" smtClean="0"/>
-              <a:t>объект </a:t>
-            </a:r>
-            <a:r>
-              <a:rPr lang="ru-RU" dirty="0" smtClean="0"/>
-              <a:t>класса </a:t>
-            </a:r>
-            <a:r>
-              <a:rPr lang="en-US" dirty="0" smtClean="0"/>
-              <a:t>Application manager</a:t>
-            </a:r>
-            <a:r>
-              <a:rPr lang="ru-RU" dirty="0" smtClean="0"/>
-              <a:t>, </a:t>
-            </a:r>
-          </a:p>
-          <a:p>
-            <a:r>
-              <a:rPr lang="ru-RU" dirty="0" err="1" smtClean="0"/>
-              <a:t>з</a:t>
-            </a:r>
-            <a:r>
-              <a:rPr lang="ru-RU" dirty="0" err="1" smtClean="0"/>
-              <a:t>асчет</a:t>
-            </a:r>
-            <a:r>
-              <a:rPr lang="ru-RU" dirty="0" smtClean="0"/>
-              <a:t> </a:t>
-            </a:r>
-            <a:r>
-              <a:rPr lang="ru-RU" dirty="0" smtClean="0"/>
-              <a:t>этого тестовые классы имеют </a:t>
-            </a:r>
-          </a:p>
-          <a:p>
-            <a:r>
-              <a:rPr lang="ru-RU" dirty="0" smtClean="0"/>
-              <a:t>доступ к методам классов помощников.</a:t>
-            </a:r>
-            <a:endParaRPr lang="ru-RU" dirty="0"/>
+              <a:rPr lang="en-US" sz="2100" b="1" i="1" dirty="0" err="1"/>
+              <a:t>ApplicationManager</a:t>
+            </a:r>
+            <a:r>
+              <a:rPr lang="en-US" sz="2100" b="1" i="1" dirty="0"/>
+              <a:t> – </a:t>
+            </a:r>
+            <a:r>
+              <a:rPr lang="ru-RU" sz="1800" i="1" dirty="0"/>
+              <a:t>класс, где прописаны инициализация драйвера и классов помощников</a:t>
+            </a:r>
+            <a:r>
+              <a:rPr lang="ru-RU" sz="1800" i="1" dirty="0" smtClean="0"/>
+              <a:t>.</a:t>
+            </a:r>
+            <a:r>
+              <a:rPr lang="ru-RU" sz="1800" dirty="0"/>
+              <a:t> </a:t>
+            </a:r>
+            <a:r>
+              <a:rPr lang="ru-RU" sz="1800" i="1" dirty="0"/>
+              <a:t>Класс </a:t>
+            </a:r>
+            <a:r>
+              <a:rPr lang="ru-RU" sz="1800" i="1" dirty="0"/>
+              <a:t>делегирует ответственность по </a:t>
+            </a:r>
+            <a:r>
+              <a:rPr lang="ru-RU" sz="1800" i="1" dirty="0"/>
+              <a:t>выполнению </a:t>
+            </a:r>
+            <a:r>
+              <a:rPr lang="ru-RU" sz="1800" i="1" dirty="0" smtClean="0"/>
+              <a:t>ролей </a:t>
+            </a:r>
+            <a:r>
+              <a:rPr lang="ru-RU" sz="1800" i="1" dirty="0"/>
+              <a:t>классам </a:t>
+            </a:r>
+            <a:r>
+              <a:rPr lang="en-US" sz="1800" i="1" dirty="0"/>
+              <a:t>Helper</a:t>
+            </a:r>
+            <a:endParaRPr lang="ru-RU" sz="1800" i="1" dirty="0"/>
+          </a:p>
+          <a:p>
+            <a:r>
+              <a:rPr lang="en-US" sz="2100" b="1" i="1" dirty="0" err="1" smtClean="0"/>
+              <a:t>HelperBase</a:t>
+            </a:r>
+            <a:r>
+              <a:rPr lang="en-US" sz="2100" b="1" i="1" dirty="0" smtClean="0"/>
+              <a:t> </a:t>
+            </a:r>
+            <a:r>
+              <a:rPr lang="en-US" sz="2100" b="1" i="1" dirty="0"/>
+              <a:t>– </a:t>
+            </a:r>
+            <a:r>
+              <a:rPr lang="ru-RU" sz="1800" i="1" dirty="0"/>
+              <a:t>базовый класс, содержащий общие методы, которые могут быть использованы в любой области (</a:t>
+            </a:r>
+            <a:r>
+              <a:rPr lang="en-US" sz="1800" i="1" dirty="0"/>
+              <a:t>click, type</a:t>
+            </a:r>
+            <a:r>
+              <a:rPr lang="ru-RU" sz="1800" i="1" dirty="0"/>
+              <a:t>).</a:t>
+            </a:r>
+            <a:endParaRPr lang="en-US" sz="1800" i="1" dirty="0"/>
+          </a:p>
+          <a:p>
+            <a:r>
+              <a:rPr lang="en-US" sz="2100" b="1" i="1" dirty="0" err="1"/>
+              <a:t>ContactHelper</a:t>
+            </a:r>
+            <a:r>
+              <a:rPr lang="en-US" sz="2100" b="1" i="1" dirty="0"/>
+              <a:t> – </a:t>
+            </a:r>
+            <a:r>
+              <a:rPr lang="ru-RU" sz="1800" i="1" dirty="0"/>
+              <a:t>класс, содержащий методы для работы с контактами.</a:t>
+            </a:r>
+          </a:p>
+          <a:p>
+            <a:r>
+              <a:rPr lang="en-US" sz="2100" b="1" i="1" dirty="0" err="1"/>
+              <a:t>NavigationHelper</a:t>
+            </a:r>
+            <a:r>
+              <a:rPr lang="en-US" sz="2100" b="1" i="1" dirty="0"/>
+              <a:t> – </a:t>
+            </a:r>
+            <a:r>
+              <a:rPr lang="ru-RU" sz="1800" i="1" dirty="0"/>
+              <a:t>класс, содержащий методы переходов между страницами.</a:t>
+            </a:r>
+          </a:p>
+          <a:p>
+            <a:r>
+              <a:rPr lang="en-US" sz="2100" b="1" i="1" dirty="0" err="1"/>
+              <a:t>SessionHelper</a:t>
+            </a:r>
+            <a:r>
+              <a:rPr lang="en-US" sz="2100" b="1" i="1" dirty="0"/>
+              <a:t> – </a:t>
+            </a:r>
+            <a:r>
+              <a:rPr lang="ru-RU" sz="1800" i="1" dirty="0"/>
+              <a:t>класс, содержащий методы для логина.</a:t>
+            </a:r>
           </a:p>
         </p:txBody>
       </p:sp>
     </p:spTree>
     <p:extLst>
       <p:ext uri="{BB962C8B-B14F-4D97-AF65-F5344CB8AC3E}">
-        <p14:creationId xmlns:p14="http://schemas.microsoft.com/office/powerpoint/2010/main" val="3826119604"/>
+        <p14:creationId xmlns:p14="http://schemas.microsoft.com/office/powerpoint/2010/main" val="3903752888"/>
       </p:ext>
     </p:extLst>
   </p:cSld>
@@ -24064,8 +24417,8 @@
         </p:nvSpPr>
         <p:spPr>
           <a:xfrm>
-            <a:off x="689919" y="222421"/>
-            <a:ext cx="10515600" cy="733169"/>
+            <a:off x="714632" y="0"/>
+            <a:ext cx="10515600" cy="1325563"/>
           </a:xfrm>
         </p:spPr>
         <p:txBody>
@@ -24085,279 +24438,105 @@
                 <a:ea typeface="+mn-ea"/>
                 <a:cs typeface="+mn-cs"/>
               </a:rPr>
-              <a:t>Настройки для работы с </a:t>
-            </a:r>
-            <a:r>
-              <a:rPr lang="en-US" sz="2800" b="1" dirty="0" err="1">
-                <a:latin typeface="+mn-lt"/>
-                <a:ea typeface="+mn-ea"/>
-                <a:cs typeface="+mn-cs"/>
-              </a:rPr>
-              <a:t>json</a:t>
-            </a:r>
-            <a:r>
-              <a:rPr lang="en-US" sz="2800" b="1" dirty="0">
-                <a:latin typeface="+mn-lt"/>
-                <a:ea typeface="+mn-ea"/>
-                <a:cs typeface="+mn-cs"/>
-              </a:rPr>
-              <a:t> </a:t>
-            </a:r>
-            <a:r>
-              <a:rPr lang="ru-RU" sz="2800" b="1" dirty="0">
-                <a:latin typeface="+mn-lt"/>
-                <a:ea typeface="+mn-ea"/>
-                <a:cs typeface="+mn-cs"/>
-              </a:rPr>
-              <a:t>файлами</a:t>
+              <a:t>Структура связи тестов с системой</a:t>
             </a:r>
           </a:p>
         </p:txBody>
       </p:sp>
-      <p:sp>
-        <p:nvSpPr>
-          <p:cNvPr id="3" name="Content Placeholder 2"/>
-          <p:cNvSpPr>
-            <a:spLocks noGrp="1"/>
-          </p:cNvSpPr>
+      <p:pic>
+        <p:nvPicPr>
+          <p:cNvPr id="5" name="Content Placeholder 4"/>
+          <p:cNvPicPr>
+            <a:picLocks noGrp="1" noChangeAspect="1"/>
+          </p:cNvPicPr>
           <p:nvPr>
             <p:ph idx="1"/>
           </p:nvPr>
+        </p:nvPicPr>
+        <p:blipFill>
+          <a:blip r:embed="rId4"/>
+          <a:stretch>
+            <a:fillRect/>
+          </a:stretch>
+        </p:blipFill>
+        <p:spPr>
+          <a:xfrm>
+            <a:off x="1051309" y="1690688"/>
+            <a:ext cx="3728547" cy="4351338"/>
+          </a:xfrm>
+          <a:prstGeom prst="rect">
+            <a:avLst/>
+          </a:prstGeom>
+        </p:spPr>
+      </p:pic>
+      <p:sp>
+        <p:nvSpPr>
+          <p:cNvPr id="6" name="TextBox 5"/>
+          <p:cNvSpPr txBox="1"/>
+          <p:nvPr/>
         </p:nvSpPr>
         <p:spPr>
           <a:xfrm>
-            <a:off x="747584" y="1114105"/>
-            <a:ext cx="10515600" cy="4634490"/>
+            <a:off x="6373091" y="2065863"/>
+            <a:ext cx="4122667" cy="1200329"/>
           </a:xfrm>
+          <a:prstGeom prst="rect">
+            <a:avLst/>
+          </a:prstGeom>
+          <a:noFill/>
         </p:spPr>
         <p:txBody>
-          <a:bodyPr>
-            <a:normAutofit/>
+          <a:bodyPr wrap="none" rtlCol="0">
+            <a:spAutoFit/>
           </a:bodyPr>
           <a:lstStyle/>
           <a:p>
-            <a:pPr marL="0" indent="0">
-              <a:buNone/>
-            </a:pPr>
-            <a:endParaRPr lang="ru-RU" dirty="0" smtClean="0"/>
-          </a:p>
-          <a:p>
-            <a:pPr marL="0" indent="0">
-              <a:buNone/>
-            </a:pPr>
-            <a:r>
-              <a:rPr lang="en-US" sz="1900" i="1" dirty="0" smtClean="0"/>
-              <a:t>	</a:t>
-            </a:r>
-            <a:r>
-              <a:rPr lang="ru-RU" sz="1900" i="1" dirty="0" err="1" smtClean="0"/>
-              <a:t>Gson</a:t>
-            </a:r>
-            <a:r>
-              <a:rPr lang="ru-RU" sz="1900" i="1" dirty="0" smtClean="0"/>
-              <a:t> </a:t>
-            </a:r>
-            <a:r>
-              <a:rPr lang="ru-RU" sz="1900" i="1" dirty="0"/>
-              <a:t>- это небольшая </a:t>
-            </a:r>
-            <a:r>
-              <a:rPr lang="ru-RU" sz="1900" i="1" dirty="0" err="1"/>
-              <a:t>java</a:t>
-            </a:r>
-            <a:r>
-              <a:rPr lang="ru-RU" sz="1900" i="1" dirty="0"/>
-              <a:t> библиотека, которая позволяет конвертировать </a:t>
-            </a:r>
-            <a:r>
-              <a:rPr lang="ru-RU" sz="1900" i="1" dirty="0" err="1"/>
-              <a:t>java</a:t>
-            </a:r>
-            <a:r>
-              <a:rPr lang="ru-RU" sz="1900" i="1" dirty="0"/>
-              <a:t> объекты в их JSON представление, равно как и создавать объекты на основании их </a:t>
-            </a:r>
-            <a:r>
-              <a:rPr lang="ru-RU" sz="1900" i="1" dirty="0" err="1"/>
-              <a:t>json</a:t>
-            </a:r>
-            <a:r>
-              <a:rPr lang="ru-RU" sz="1900" i="1" dirty="0"/>
-              <a:t> представления</a:t>
-            </a:r>
-            <a:r>
-              <a:rPr lang="ru-RU" sz="1900" i="1" dirty="0" smtClean="0"/>
-              <a:t>.</a:t>
-            </a:r>
-            <a:endParaRPr lang="en-US" sz="1900" i="1" dirty="0" smtClean="0"/>
-          </a:p>
-          <a:p>
-            <a:pPr marL="0" indent="0">
-              <a:buNone/>
-            </a:pPr>
-            <a:r>
-              <a:rPr lang="en-US" sz="1900" b="1" i="1" dirty="0" smtClean="0"/>
-              <a:t>Steps:</a:t>
-            </a:r>
-            <a:endParaRPr lang="ru-RU" sz="1900" b="1" i="1" dirty="0"/>
-          </a:p>
-          <a:p>
-            <a:pPr marL="514350" indent="-514350">
-              <a:buAutoNum type="arabicPeriod"/>
-            </a:pPr>
-            <a:r>
-              <a:rPr lang="ru-RU" sz="1900" i="1" dirty="0"/>
-              <a:t>Добавляем в </a:t>
-            </a:r>
-            <a:r>
-              <a:rPr lang="en-US" sz="1900" i="1" dirty="0" err="1"/>
-              <a:t>build.gradle</a:t>
-            </a:r>
-            <a:endParaRPr lang="en-US" sz="1900" i="1" dirty="0"/>
-          </a:p>
-          <a:p>
-            <a:pPr marL="0" indent="0">
-              <a:buNone/>
-            </a:pPr>
-            <a:r>
-              <a:rPr lang="en-US" sz="1900" i="1" dirty="0"/>
-              <a:t>compile 'com.google.code.gson:gson:2.8.2'</a:t>
-            </a:r>
-            <a:endParaRPr lang="ru-RU" sz="1900" i="1" dirty="0"/>
-          </a:p>
-          <a:p>
-            <a:pPr marL="0" indent="0">
-              <a:buNone/>
-            </a:pPr>
-            <a:r>
-              <a:rPr lang="en-US" sz="1900" i="1" dirty="0"/>
-              <a:t>2. </a:t>
-            </a:r>
-            <a:r>
-              <a:rPr lang="ru-RU" sz="1900" i="1" dirty="0"/>
-              <a:t>Создаем объект</a:t>
-            </a:r>
-          </a:p>
-          <a:p>
-            <a:pPr marL="0" indent="0">
-              <a:buNone/>
-            </a:pPr>
-            <a:r>
-              <a:rPr lang="ru-RU" sz="1900" i="1" dirty="0" err="1"/>
-              <a:t>Gson</a:t>
-            </a:r>
-            <a:r>
-              <a:rPr lang="ru-RU" sz="1900" i="1" dirty="0"/>
-              <a:t> </a:t>
-            </a:r>
-            <a:r>
-              <a:rPr lang="ru-RU" sz="1900" i="1" dirty="0" err="1"/>
-              <a:t>gson</a:t>
-            </a:r>
-            <a:r>
-              <a:rPr lang="ru-RU" sz="1900" i="1" dirty="0"/>
-              <a:t> = </a:t>
-            </a:r>
-            <a:r>
-              <a:rPr lang="ru-RU" sz="1900" i="1" dirty="0" err="1"/>
-              <a:t>new</a:t>
-            </a:r>
-            <a:r>
-              <a:rPr lang="ru-RU" sz="1900" i="1" dirty="0"/>
-              <a:t> </a:t>
-            </a:r>
-            <a:r>
-              <a:rPr lang="ru-RU" sz="1900" i="1" dirty="0" err="1"/>
-              <a:t>GsonBuilder</a:t>
-            </a:r>
-            <a:r>
-              <a:rPr lang="ru-RU" sz="1900" i="1" dirty="0"/>
-              <a:t>().</a:t>
-            </a:r>
-            <a:r>
-              <a:rPr lang="ru-RU" sz="1900" i="1" dirty="0" err="1"/>
-              <a:t>create</a:t>
-            </a:r>
-            <a:r>
-              <a:rPr lang="ru-RU" sz="1900" i="1" dirty="0"/>
-              <a:t>();</a:t>
-            </a:r>
-          </a:p>
-          <a:p>
-            <a:pPr marL="0" indent="0">
-              <a:buNone/>
-            </a:pPr>
-            <a:r>
-              <a:rPr lang="ru-RU" sz="1900" i="1" dirty="0"/>
-              <a:t>Основные методы, которые используются для </a:t>
-            </a:r>
-            <a:r>
-              <a:rPr lang="ru-RU" sz="1900" i="1" dirty="0" err="1"/>
-              <a:t>сериализации</a:t>
-            </a:r>
-            <a:r>
-              <a:rPr lang="ru-RU" sz="1900" i="1" dirty="0"/>
-              <a:t> и </a:t>
-            </a:r>
-            <a:r>
-              <a:rPr lang="ru-RU" sz="1900" i="1" dirty="0" err="1"/>
-              <a:t>десериализации</a:t>
-            </a:r>
-            <a:r>
-              <a:rPr lang="ru-RU" sz="1900" i="1" dirty="0"/>
-              <a:t> </a:t>
-            </a:r>
-            <a:r>
-              <a:rPr lang="ru-RU" sz="1900" i="1" dirty="0" err="1"/>
-              <a:t>java</a:t>
-            </a:r>
-            <a:r>
-              <a:rPr lang="ru-RU" sz="1900" i="1" dirty="0"/>
-              <a:t>-объектов, называются </a:t>
-            </a:r>
-            <a:r>
-              <a:rPr lang="ru-RU" sz="1900" i="1" dirty="0" err="1"/>
-              <a:t>toJson</a:t>
-            </a:r>
-            <a:r>
-              <a:rPr lang="ru-RU" sz="1900" i="1" dirty="0"/>
-              <a:t> и </a:t>
-            </a:r>
-            <a:r>
-              <a:rPr lang="ru-RU" sz="1900" i="1" dirty="0" err="1"/>
-              <a:t>fromJson</a:t>
-            </a:r>
-            <a:r>
-              <a:rPr lang="ru-RU" sz="1900" i="1" dirty="0"/>
-              <a:t>.</a:t>
-            </a:r>
-          </a:p>
-          <a:p>
-            <a:pPr marL="0" indent="0" fontAlgn="base">
-              <a:spcAft>
-                <a:spcPct val="0"/>
-              </a:spcAft>
-              <a:buNone/>
-            </a:pPr>
-            <a:r>
-              <a:rPr lang="en-US" sz="1900" i="1" dirty="0"/>
-              <a:t>More info: </a:t>
-            </a:r>
-            <a:r>
-              <a:rPr lang="en-US" sz="1900" i="1" dirty="0">
-                <a:hlinkClick r:id="rId4"/>
-              </a:rPr>
-              <a:t>https://github.com/google/gson/blob/master/UserGuide.md</a:t>
-            </a:r>
-            <a:endParaRPr lang="en-US" sz="1900" i="1" dirty="0"/>
-          </a:p>
-          <a:p>
-            <a:pPr marL="0" indent="0">
-              <a:buNone/>
-            </a:pPr>
-            <a:endParaRPr lang="ru-RU" dirty="0" smtClean="0"/>
-          </a:p>
-          <a:p>
+            <a:r>
+              <a:rPr lang="ru-RU" dirty="0" smtClean="0"/>
+              <a:t>В основном тестовом классе создается </a:t>
+            </a:r>
+          </a:p>
+          <a:p>
+            <a:r>
+              <a:rPr lang="ru-RU" dirty="0" smtClean="0"/>
+              <a:t>объект </a:t>
+            </a:r>
+            <a:r>
+              <a:rPr lang="ru-RU" dirty="0" smtClean="0"/>
+              <a:t>класса </a:t>
+            </a:r>
+            <a:r>
+              <a:rPr lang="en-US" dirty="0" smtClean="0"/>
+              <a:t>Application manager</a:t>
+            </a:r>
+            <a:r>
+              <a:rPr lang="ru-RU" dirty="0" smtClean="0"/>
+              <a:t>, </a:t>
+            </a:r>
+          </a:p>
+          <a:p>
+            <a:r>
+              <a:rPr lang="ru-RU" dirty="0" smtClean="0"/>
+              <a:t>за </a:t>
+            </a:r>
+            <a:r>
+              <a:rPr lang="ru-RU" smtClean="0"/>
+              <a:t>счет этого </a:t>
+            </a:r>
+            <a:r>
+              <a:rPr lang="ru-RU" dirty="0" smtClean="0"/>
+              <a:t>тестовые </a:t>
+            </a:r>
+            <a:r>
+              <a:rPr lang="ru-RU" dirty="0" smtClean="0"/>
+              <a:t>классы имеют </a:t>
+            </a:r>
+          </a:p>
+          <a:p>
+            <a:r>
+              <a:rPr lang="ru-RU" dirty="0" smtClean="0"/>
+              <a:t>доступ к методам классов помощников.</a:t>
+            </a:r>
             <a:endParaRPr lang="ru-RU" dirty="0"/>
           </a:p>
         </p:txBody>
@@ -24365,7 +24544,7 @@
     </p:spTree>
     <p:extLst>
       <p:ext uri="{BB962C8B-B14F-4D97-AF65-F5344CB8AC3E}">
-        <p14:creationId xmlns:p14="http://schemas.microsoft.com/office/powerpoint/2010/main" val="3563426719"/>
+        <p14:creationId xmlns:p14="http://schemas.microsoft.com/office/powerpoint/2010/main" val="3826119604"/>
       </p:ext>
     </p:extLst>
   </p:cSld>
@@ -24449,97 +24628,138 @@
           <a:lstStyle/>
           <a:p>
             <a:r>
-              <a:rPr lang="ru-RU" dirty="0"/>
+              <a:rPr lang="ru-RU" dirty="0">
+                <a:hlinkClick r:id="rId2" action="ppaction://hlinksldjump"/>
+              </a:rPr>
               <a:t>Основные преимущества </a:t>
             </a:r>
             <a:r>
-              <a:rPr lang="ru-RU" dirty="0" err="1"/>
+              <a:rPr lang="ru-RU" dirty="0" err="1">
+                <a:hlinkClick r:id="rId2" action="ppaction://hlinksldjump"/>
+              </a:rPr>
               <a:t>Selenium</a:t>
             </a:r>
             <a:r>
-              <a:rPr lang="ru-RU" dirty="0" smtClean="0"/>
+              <a:rPr lang="ru-RU" dirty="0" smtClean="0">
+                <a:hlinkClick r:id="rId2" action="ppaction://hlinksldjump"/>
+              </a:rPr>
               <a:t>?</a:t>
             </a:r>
             <a:endParaRPr lang="en-US" dirty="0" smtClean="0"/>
           </a:p>
           <a:p>
             <a:r>
-              <a:rPr lang="ru-RU" dirty="0"/>
+              <a:rPr lang="ru-RU" dirty="0">
+                <a:hlinkClick r:id="rId3" action="ppaction://hlinksldjump"/>
+              </a:rPr>
               <a:t>Какие действия могут быть выполнены с помощью </a:t>
             </a:r>
             <a:r>
-              <a:rPr lang="en-US" dirty="0"/>
+              <a:rPr lang="en-US" dirty="0">
+                <a:hlinkClick r:id="rId3" action="ppaction://hlinksldjump"/>
+              </a:rPr>
               <a:t>Selenium</a:t>
             </a:r>
             <a:r>
-              <a:rPr lang="en-US" dirty="0" smtClean="0"/>
+              <a:rPr lang="en-US" dirty="0" smtClean="0">
+                <a:hlinkClick r:id="rId3" action="ppaction://hlinksldjump"/>
+              </a:rPr>
               <a:t>?</a:t>
             </a:r>
-          </a:p>
-          <a:p>
-            <a:r>
-              <a:rPr lang="en-US" dirty="0"/>
+            <a:endParaRPr lang="en-US" dirty="0" smtClean="0"/>
+          </a:p>
+          <a:p>
+            <a:r>
+              <a:rPr lang="en-US" dirty="0">
+                <a:hlinkClick r:id="rId4" action="ppaction://hlinksldjump"/>
+              </a:rPr>
               <a:t>Selenium </a:t>
             </a:r>
             <a:r>
-              <a:rPr lang="ru-RU" dirty="0" smtClean="0"/>
+              <a:rPr lang="ru-RU" dirty="0" smtClean="0">
+                <a:hlinkClick r:id="rId4" action="ppaction://hlinksldjump"/>
+              </a:rPr>
               <a:t>локаторы</a:t>
             </a:r>
             <a:endParaRPr lang="en-US" dirty="0" smtClean="0"/>
           </a:p>
           <a:p>
             <a:r>
-              <a:rPr lang="en-US" dirty="0"/>
+              <a:rPr lang="en-US" dirty="0">
+                <a:hlinkClick r:id="rId5" action="ppaction://hlinksldjump"/>
+              </a:rPr>
               <a:t>Selenium </a:t>
             </a:r>
             <a:r>
-              <a:rPr lang="ru-RU" dirty="0"/>
+              <a:rPr lang="ru-RU" dirty="0">
+                <a:hlinkClick r:id="rId5" action="ppaction://hlinksldjump"/>
+              </a:rPr>
               <a:t>подбор локаторов</a:t>
             </a:r>
-          </a:p>
-          <a:p>
-            <a:r>
-              <a:rPr lang="ru-RU" dirty="0"/>
+            <a:endParaRPr lang="ru-RU" dirty="0"/>
+          </a:p>
+          <a:p>
+            <a:r>
+              <a:rPr lang="ru-RU" dirty="0">
+                <a:hlinkClick r:id="rId6" action="ppaction://hlinksldjump"/>
+              </a:rPr>
               <a:t>Структура тестового </a:t>
             </a:r>
             <a:r>
-              <a:rPr lang="ru-RU" dirty="0" err="1" smtClean="0"/>
-              <a:t>фреймворка</a:t>
+              <a:rPr lang="ru-RU" dirty="0" smtClean="0">
+                <a:hlinkClick r:id="rId6" action="ppaction://hlinksldjump"/>
+              </a:rPr>
+              <a:t>проекта</a:t>
             </a:r>
             <a:endParaRPr lang="en-US" dirty="0" smtClean="0"/>
           </a:p>
           <a:p>
             <a:r>
-              <a:rPr lang="ru-RU" dirty="0"/>
+              <a:rPr lang="ru-RU" dirty="0">
+                <a:hlinkClick r:id="rId7" action="ppaction://hlinksldjump"/>
+              </a:rPr>
               <a:t>Структура теста в </a:t>
             </a:r>
             <a:r>
-              <a:rPr lang="en-US" dirty="0" smtClean="0"/>
-              <a:t>testing</a:t>
-            </a:r>
-          </a:p>
-          <a:p>
-            <a:r>
-              <a:rPr lang="ru-RU" dirty="0"/>
+              <a:rPr lang="en-US" dirty="0" err="1" smtClean="0">
+                <a:hlinkClick r:id="rId7" action="ppaction://hlinksldjump"/>
+              </a:rPr>
+              <a:t>TestNG</a:t>
+            </a:r>
+            <a:endParaRPr lang="en-US" dirty="0" smtClean="0"/>
+          </a:p>
+          <a:p>
+            <a:r>
+              <a:rPr lang="ru-RU" dirty="0">
+                <a:hlinkClick r:id="rId8" action="ppaction://hlinksldjump"/>
+              </a:rPr>
               <a:t>Аннотации </a:t>
             </a:r>
             <a:r>
-              <a:rPr lang="en-US" dirty="0" err="1"/>
+              <a:rPr lang="en-US" dirty="0" err="1">
+                <a:hlinkClick r:id="rId8" action="ppaction://hlinksldjump"/>
+              </a:rPr>
               <a:t>TestNG</a:t>
             </a:r>
             <a:r>
-              <a:rPr lang="ru-RU" dirty="0"/>
+              <a:rPr lang="ru-RU" dirty="0">
+                <a:hlinkClick r:id="rId8" action="ppaction://hlinksldjump"/>
+              </a:rPr>
               <a:t> </a:t>
             </a:r>
             <a:endParaRPr lang="en-US" dirty="0" smtClean="0"/>
           </a:p>
           <a:p>
             <a:r>
-              <a:rPr lang="ru-RU" dirty="0"/>
+              <a:rPr lang="ru-RU" dirty="0">
+                <a:hlinkClick r:id="rId9" action="ppaction://hlinksldjump"/>
+              </a:rPr>
               <a:t>Порядок выполнения аннотаций в </a:t>
             </a:r>
             <a:r>
-              <a:rPr lang="en-US" dirty="0" err="1" smtClean="0"/>
+              <a:rPr lang="en-US" dirty="0" err="1" smtClean="0">
+                <a:hlinkClick r:id="rId9" action="ppaction://hlinksldjump"/>
+              </a:rPr>
               <a:t>TestNG</a:t>
             </a:r>
             <a:endParaRPr lang="en-US" dirty="0" smtClean="0"/>
@@ -24612,6 +24832,367 @@
         </p:nvSpPr>
         <p:spPr>
           <a:xfrm>
+            <a:off x="689919" y="222421"/>
+            <a:ext cx="10515600" cy="733169"/>
+          </a:xfrm>
+        </p:spPr>
+        <p:txBody>
+          <a:bodyPr>
+            <a:normAutofit/>
+          </a:bodyPr>
+          <a:lstStyle/>
+          <a:p>
+            <a:pPr>
+              <a:spcBef>
+                <a:spcPts val="1000"/>
+              </a:spcBef>
+            </a:pPr>
+            <a:r>
+              <a:rPr lang="ru-RU" sz="2800" b="1" dirty="0">
+                <a:latin typeface="+mn-lt"/>
+                <a:ea typeface="+mn-ea"/>
+                <a:cs typeface="+mn-cs"/>
+              </a:rPr>
+              <a:t>Настройки для работы с </a:t>
+            </a:r>
+            <a:r>
+              <a:rPr lang="en-US" sz="2800" b="1" dirty="0" err="1">
+                <a:latin typeface="+mn-lt"/>
+                <a:ea typeface="+mn-ea"/>
+                <a:cs typeface="+mn-cs"/>
+              </a:rPr>
+              <a:t>json</a:t>
+            </a:r>
+            <a:r>
+              <a:rPr lang="en-US" sz="2800" b="1" dirty="0">
+                <a:latin typeface="+mn-lt"/>
+                <a:ea typeface="+mn-ea"/>
+                <a:cs typeface="+mn-cs"/>
+              </a:rPr>
+              <a:t> </a:t>
+            </a:r>
+            <a:r>
+              <a:rPr lang="ru-RU" sz="2800" b="1" dirty="0">
+                <a:latin typeface="+mn-lt"/>
+                <a:ea typeface="+mn-ea"/>
+                <a:cs typeface="+mn-cs"/>
+              </a:rPr>
+              <a:t>файлами</a:t>
+            </a:r>
+          </a:p>
+        </p:txBody>
+      </p:sp>
+      <p:sp>
+        <p:nvSpPr>
+          <p:cNvPr id="3" name="Content Placeholder 2"/>
+          <p:cNvSpPr>
+            <a:spLocks noGrp="1"/>
+          </p:cNvSpPr>
+          <p:nvPr>
+            <p:ph idx="1"/>
+          </p:nvPr>
+        </p:nvSpPr>
+        <p:spPr>
+          <a:xfrm>
+            <a:off x="747584" y="1114105"/>
+            <a:ext cx="10515600" cy="4634490"/>
+          </a:xfrm>
+        </p:spPr>
+        <p:txBody>
+          <a:bodyPr>
+            <a:normAutofit/>
+          </a:bodyPr>
+          <a:lstStyle/>
+          <a:p>
+            <a:pPr marL="0" indent="0">
+              <a:buNone/>
+            </a:pPr>
+            <a:endParaRPr lang="ru-RU" dirty="0" smtClean="0"/>
+          </a:p>
+          <a:p>
+            <a:pPr marL="0" indent="0">
+              <a:buNone/>
+            </a:pPr>
+            <a:r>
+              <a:rPr lang="en-US" sz="1900" i="1" dirty="0" smtClean="0"/>
+              <a:t>	</a:t>
+            </a:r>
+            <a:r>
+              <a:rPr lang="ru-RU" sz="1900" i="1" dirty="0" err="1" smtClean="0"/>
+              <a:t>Gson</a:t>
+            </a:r>
+            <a:r>
+              <a:rPr lang="ru-RU" sz="1900" i="1" dirty="0" smtClean="0"/>
+              <a:t> </a:t>
+            </a:r>
+            <a:r>
+              <a:rPr lang="ru-RU" sz="1900" i="1" dirty="0"/>
+              <a:t>- это небольшая </a:t>
+            </a:r>
+            <a:r>
+              <a:rPr lang="ru-RU" sz="1900" i="1" dirty="0" err="1"/>
+              <a:t>java</a:t>
+            </a:r>
+            <a:r>
+              <a:rPr lang="ru-RU" sz="1900" i="1" dirty="0"/>
+              <a:t> библиотека, которая позволяет конвертировать </a:t>
+            </a:r>
+            <a:r>
+              <a:rPr lang="ru-RU" sz="1900" i="1" dirty="0" err="1"/>
+              <a:t>java</a:t>
+            </a:r>
+            <a:r>
+              <a:rPr lang="ru-RU" sz="1900" i="1" dirty="0"/>
+              <a:t> объекты в их JSON представление, равно как и создавать объекты на основании их </a:t>
+            </a:r>
+            <a:r>
+              <a:rPr lang="ru-RU" sz="1900" i="1" dirty="0" err="1"/>
+              <a:t>json</a:t>
+            </a:r>
+            <a:r>
+              <a:rPr lang="ru-RU" sz="1900" i="1" dirty="0"/>
+              <a:t> представления</a:t>
+            </a:r>
+            <a:r>
+              <a:rPr lang="ru-RU" sz="1900" i="1" dirty="0" smtClean="0"/>
+              <a:t>.</a:t>
+            </a:r>
+            <a:endParaRPr lang="en-US" sz="1900" i="1" dirty="0" smtClean="0"/>
+          </a:p>
+          <a:p>
+            <a:pPr marL="0" indent="0">
+              <a:buNone/>
+            </a:pPr>
+            <a:r>
+              <a:rPr lang="en-US" sz="1900" b="1" i="1" dirty="0" smtClean="0"/>
+              <a:t>Steps:</a:t>
+            </a:r>
+            <a:endParaRPr lang="ru-RU" sz="1900" b="1" i="1" dirty="0"/>
+          </a:p>
+          <a:p>
+            <a:pPr marL="514350" indent="-514350">
+              <a:buAutoNum type="arabicPeriod"/>
+            </a:pPr>
+            <a:r>
+              <a:rPr lang="ru-RU" sz="1900" i="1" dirty="0"/>
+              <a:t>Добавляем в </a:t>
+            </a:r>
+            <a:r>
+              <a:rPr lang="en-US" sz="1900" i="1" dirty="0" err="1"/>
+              <a:t>build.gradle</a:t>
+            </a:r>
+            <a:endParaRPr lang="en-US" sz="1900" i="1" dirty="0"/>
+          </a:p>
+          <a:p>
+            <a:pPr marL="0" indent="0">
+              <a:buNone/>
+            </a:pPr>
+            <a:r>
+              <a:rPr lang="en-US" sz="1900" i="1" dirty="0"/>
+              <a:t>compile 'com.google.code.gson:gson:2.8.2'</a:t>
+            </a:r>
+            <a:endParaRPr lang="ru-RU" sz="1900" i="1" dirty="0"/>
+          </a:p>
+          <a:p>
+            <a:pPr marL="0" indent="0">
+              <a:buNone/>
+            </a:pPr>
+            <a:r>
+              <a:rPr lang="en-US" sz="1900" i="1" dirty="0"/>
+              <a:t>2. </a:t>
+            </a:r>
+            <a:r>
+              <a:rPr lang="ru-RU" sz="1900" i="1" dirty="0"/>
+              <a:t>Создаем объект</a:t>
+            </a:r>
+          </a:p>
+          <a:p>
+            <a:pPr marL="0" indent="0">
+              <a:buNone/>
+            </a:pPr>
+            <a:r>
+              <a:rPr lang="ru-RU" sz="1900" i="1" dirty="0" err="1"/>
+              <a:t>Gson</a:t>
+            </a:r>
+            <a:r>
+              <a:rPr lang="ru-RU" sz="1900" i="1" dirty="0"/>
+              <a:t> </a:t>
+            </a:r>
+            <a:r>
+              <a:rPr lang="ru-RU" sz="1900" i="1" dirty="0" err="1"/>
+              <a:t>gson</a:t>
+            </a:r>
+            <a:r>
+              <a:rPr lang="ru-RU" sz="1900" i="1" dirty="0"/>
+              <a:t> = </a:t>
+            </a:r>
+            <a:r>
+              <a:rPr lang="ru-RU" sz="1900" i="1" dirty="0" err="1"/>
+              <a:t>new</a:t>
+            </a:r>
+            <a:r>
+              <a:rPr lang="ru-RU" sz="1900" i="1" dirty="0"/>
+              <a:t> </a:t>
+            </a:r>
+            <a:r>
+              <a:rPr lang="ru-RU" sz="1900" i="1" dirty="0" err="1"/>
+              <a:t>GsonBuilder</a:t>
+            </a:r>
+            <a:r>
+              <a:rPr lang="ru-RU" sz="1900" i="1" dirty="0"/>
+              <a:t>().</a:t>
+            </a:r>
+            <a:r>
+              <a:rPr lang="ru-RU" sz="1900" i="1" dirty="0" err="1"/>
+              <a:t>create</a:t>
+            </a:r>
+            <a:r>
+              <a:rPr lang="ru-RU" sz="1900" i="1" dirty="0"/>
+              <a:t>();</a:t>
+            </a:r>
+          </a:p>
+          <a:p>
+            <a:pPr marL="0" indent="0">
+              <a:buNone/>
+            </a:pPr>
+            <a:r>
+              <a:rPr lang="ru-RU" sz="1900" i="1" dirty="0"/>
+              <a:t>Основные методы, которые используются для </a:t>
+            </a:r>
+            <a:r>
+              <a:rPr lang="ru-RU" sz="1900" i="1" dirty="0" err="1"/>
+              <a:t>сериализации</a:t>
+            </a:r>
+            <a:r>
+              <a:rPr lang="ru-RU" sz="1900" i="1" dirty="0"/>
+              <a:t> и </a:t>
+            </a:r>
+            <a:r>
+              <a:rPr lang="ru-RU" sz="1900" i="1" dirty="0" err="1"/>
+              <a:t>десериализации</a:t>
+            </a:r>
+            <a:r>
+              <a:rPr lang="ru-RU" sz="1900" i="1" dirty="0"/>
+              <a:t> </a:t>
+            </a:r>
+            <a:r>
+              <a:rPr lang="ru-RU" sz="1900" i="1" dirty="0" err="1"/>
+              <a:t>java</a:t>
+            </a:r>
+            <a:r>
+              <a:rPr lang="ru-RU" sz="1900" i="1" dirty="0"/>
+              <a:t>-объектов, называются </a:t>
+            </a:r>
+            <a:r>
+              <a:rPr lang="ru-RU" sz="1900" i="1" dirty="0" err="1"/>
+              <a:t>toJson</a:t>
+            </a:r>
+            <a:r>
+              <a:rPr lang="ru-RU" sz="1900" i="1" dirty="0"/>
+              <a:t> и </a:t>
+            </a:r>
+            <a:r>
+              <a:rPr lang="ru-RU" sz="1900" i="1" dirty="0" err="1"/>
+              <a:t>fromJson</a:t>
+            </a:r>
+            <a:r>
+              <a:rPr lang="ru-RU" sz="1900" i="1" dirty="0"/>
+              <a:t>.</a:t>
+            </a:r>
+          </a:p>
+          <a:p>
+            <a:pPr marL="0" indent="0" fontAlgn="base">
+              <a:spcAft>
+                <a:spcPct val="0"/>
+              </a:spcAft>
+              <a:buNone/>
+            </a:pPr>
+            <a:r>
+              <a:rPr lang="en-US" sz="1900" i="1" dirty="0"/>
+              <a:t>More info: </a:t>
+            </a:r>
+            <a:r>
+              <a:rPr lang="en-US" sz="1900" i="1" dirty="0">
+                <a:hlinkClick r:id="rId4"/>
+              </a:rPr>
+              <a:t>https://github.com/google/gson/blob/master/UserGuide.md</a:t>
+            </a:r>
+            <a:endParaRPr lang="en-US" sz="1900" i="1" dirty="0"/>
+          </a:p>
+          <a:p>
+            <a:pPr marL="0" indent="0">
+              <a:buNone/>
+            </a:pPr>
+            <a:endParaRPr lang="ru-RU" dirty="0" smtClean="0"/>
+          </a:p>
+          <a:p>
+            <a:endParaRPr lang="ru-RU" dirty="0"/>
+          </a:p>
+        </p:txBody>
+      </p:sp>
+    </p:spTree>
+    <p:extLst>
+      <p:ext uri="{BB962C8B-B14F-4D97-AF65-F5344CB8AC3E}">
+        <p14:creationId xmlns:p14="http://schemas.microsoft.com/office/powerpoint/2010/main" val="3563426719"/>
+      </p:ext>
+    </p:extLst>
+  </p:cSld>
+  <p:clrMapOvr>
+    <a:overrideClrMapping bg1="lt1" tx1="dk1" bg2="lt2" tx2="dk2" accent1="accent1" accent2="accent2" accent3="accent3" accent4="accent4" accent5="accent5" accent6="accent6" hlink="hlink" folHlink="folHlink"/>
+  </p:clrMapOvr>
+  <p:timing>
+    <p:tnLst>
+      <p:par>
+        <p:cTn id="1" dur="indefinite" restart="never" nodeType="tmRoot"/>
+      </p:par>
+    </p:tnLst>
+  </p:timing>
+</p:sld>
+</file>
+
+<file path=ppt/slides/slide21.xml><?xml version="1.0" encoding="utf-8"?>
+<p:sld xmlns:a="http://schemas.openxmlformats.org/drawingml/2006/main" xmlns:r="http://schemas.openxmlformats.org/officeDocument/2006/relationships" xmlns:p="http://schemas.openxmlformats.org/presentationml/2006/main">
+  <p:cSld>
+    <p:bg>
+      <p:bgPr>
+        <a:blipFill dpi="0" rotWithShape="1">
+          <a:blip r:embed="rId3">
+            <a:lum/>
+          </a:blip>
+          <a:srcRect/>
+          <a:stretch>
+            <a:fillRect/>
+          </a:stretch>
+        </a:blipFill>
+        <a:effectLst/>
+      </p:bgPr>
+    </p:bg>
+    <p:spTree>
+      <p:nvGrpSpPr>
+        <p:cNvPr id="1" name=""/>
+        <p:cNvGrpSpPr/>
+        <p:nvPr/>
+      </p:nvGrpSpPr>
+      <p:grpSpPr>
+        <a:xfrm>
+          <a:off x="0" y="0"/>
+          <a:ext cx="0" cy="0"/>
+          <a:chOff x="0" y="0"/>
+          <a:chExt cx="0" cy="0"/>
+        </a:xfrm>
+      </p:grpSpPr>
+      <p:sp>
+        <p:nvSpPr>
+          <p:cNvPr id="2" name="Title 1"/>
+          <p:cNvSpPr>
+            <a:spLocks noGrp="1"/>
+          </p:cNvSpPr>
+          <p:nvPr>
+            <p:ph type="title"/>
+          </p:nvPr>
+        </p:nvSpPr>
+        <p:spPr>
+          <a:xfrm>
             <a:off x="838200" y="0"/>
             <a:ext cx="10515600" cy="1325563"/>
           </a:xfrm>
@@ -24937,7 +25518,7 @@
 </p:sld>
 </file>
 
-<file path=ppt/slides/slide21.xml><?xml version="1.0" encoding="utf-8"?>
+<file path=ppt/slides/slide22.xml><?xml version="1.0" encoding="utf-8"?>
 <p:sld xmlns:a="http://schemas.openxmlformats.org/drawingml/2006/main" xmlns:r="http://schemas.openxmlformats.org/officeDocument/2006/relationships" xmlns:p="http://schemas.openxmlformats.org/presentationml/2006/main">
   <p:cSld>
     <p:bg>
@@ -26133,7 +26714,7 @@
 </p:sld>
 </file>
 
-<file path=ppt/slides/slide22.xml><?xml version="1.0" encoding="utf-8"?>
+<file path=ppt/slides/slide23.xml><?xml version="1.0" encoding="utf-8"?>
 <p:sld xmlns:a="http://schemas.openxmlformats.org/drawingml/2006/main" xmlns:r="http://schemas.openxmlformats.org/officeDocument/2006/relationships" xmlns:p="http://schemas.openxmlformats.org/presentationml/2006/main">
   <p:cSld>
     <p:bg>
@@ -26313,81 +26894,134 @@
           <a:lstStyle/>
           <a:p>
             <a:r>
-              <a:rPr lang="ru-RU" dirty="0" smtClean="0"/>
+              <a:rPr lang="ru-RU" dirty="0" smtClean="0">
+                <a:hlinkClick r:id="rId2" action="ppaction://hlinksldjump"/>
+              </a:rPr>
               <a:t>Двухуровневая архитектура</a:t>
             </a:r>
             <a:endParaRPr lang="en-US" dirty="0" smtClean="0"/>
           </a:p>
           <a:p>
             <a:r>
-              <a:rPr lang="ru-RU" dirty="0"/>
+              <a:rPr lang="ru-RU" dirty="0">
+                <a:hlinkClick r:id="rId3" action="ppaction://hlinksldjump"/>
+              </a:rPr>
               <a:t>Особенности </a:t>
             </a:r>
             <a:r>
-              <a:rPr lang="ru-RU" dirty="0" smtClean="0"/>
+              <a:rPr lang="ru-RU" dirty="0" smtClean="0">
+                <a:hlinkClick r:id="rId3" action="ppaction://hlinksldjump"/>
+              </a:rPr>
               <a:t>архитектуры</a:t>
             </a:r>
+            <a:endParaRPr lang="ru-RU" dirty="0" smtClean="0"/>
+          </a:p>
+          <a:p>
+            <a:r>
+              <a:rPr lang="ru-RU" dirty="0">
+                <a:hlinkClick r:id="rId2" action="ppaction://hlinksldjump"/>
+              </a:rPr>
+              <a:t>Реализация двухуровневой архитектуры</a:t>
+            </a:r>
             <a:endParaRPr lang="en-US" dirty="0" smtClean="0"/>
           </a:p>
           <a:p>
             <a:r>
+              <a:rPr lang="en-US" dirty="0">
+                <a:hlinkClick r:id="rId4" action="ppaction://hlinksldjump"/>
+              </a:rPr>
+              <a:t>Test layout </a:t>
+            </a:r>
+            <a:r>
+              <a:rPr lang="en-US" dirty="0" smtClean="0">
+                <a:hlinkClick r:id="rId4" action="ppaction://hlinksldjump"/>
+              </a:rPr>
+              <a:t>structure</a:t>
+            </a:r>
+            <a:endParaRPr lang="en-US" dirty="0" smtClean="0"/>
+          </a:p>
+          <a:p>
+            <a:r>
+              <a:rPr lang="ru-RU" dirty="0">
+                <a:hlinkClick r:id="rId5" action="ppaction://hlinksldjump"/>
+              </a:rPr>
+              <a:t>Структура взаимодействия с </a:t>
+            </a:r>
+            <a:r>
+              <a:rPr lang="ru-RU" dirty="0" smtClean="0">
+                <a:hlinkClick r:id="rId5" action="ppaction://hlinksldjump"/>
+              </a:rPr>
+              <a:t>системой</a:t>
+            </a:r>
+            <a:endParaRPr lang="en-US" dirty="0" smtClean="0"/>
+          </a:p>
+          <a:p>
+            <a:r>
+              <a:rPr lang="ru-RU" dirty="0">
+                <a:hlinkClick r:id="rId6" action="ppaction://hlinksldjump"/>
+              </a:rPr>
+              <a:t>Структура связи тестов с системой</a:t>
+            </a:r>
+            <a:endParaRPr lang="en-US" dirty="0" smtClean="0"/>
+          </a:p>
+          <a:p>
+            <a:r>
+              <a:rPr lang="ru-RU" dirty="0">
+                <a:hlinkClick r:id="rId7" action="ppaction://hlinksldjump"/>
+              </a:rPr>
+              <a:t>Настройки для работы с </a:t>
+            </a:r>
+            <a:r>
+              <a:rPr lang="en-US" dirty="0" err="1">
+                <a:hlinkClick r:id="rId7" action="ppaction://hlinksldjump"/>
+              </a:rPr>
+              <a:t>json</a:t>
+            </a:r>
+            <a:r>
+              <a:rPr lang="en-US" dirty="0">
+                <a:hlinkClick r:id="rId7" action="ppaction://hlinksldjump"/>
+              </a:rPr>
+              <a:t> </a:t>
+            </a:r>
+            <a:r>
+              <a:rPr lang="ru-RU" dirty="0" smtClean="0">
+                <a:hlinkClick r:id="rId7" action="ppaction://hlinksldjump"/>
+              </a:rPr>
+              <a:t>файлами</a:t>
+            </a:r>
+            <a:endParaRPr lang="en-US" dirty="0" smtClean="0"/>
+          </a:p>
+          <a:p>
+            <a:r>
+              <a:rPr lang="ru-RU" dirty="0">
+                <a:hlinkClick r:id="rId8" action="ppaction://hlinksldjump"/>
+              </a:rPr>
+              <a:t>Настройка </a:t>
+            </a:r>
+            <a:r>
+              <a:rPr lang="ru-RU" dirty="0" err="1" smtClean="0">
+                <a:hlinkClick r:id="rId8" action="ppaction://hlinksldjump"/>
+              </a:rPr>
+              <a:t>логгирования</a:t>
+            </a:r>
+            <a:endParaRPr lang="en-US" dirty="0" smtClean="0"/>
+          </a:p>
+          <a:p>
+            <a:r>
+              <a:rPr lang="ru-RU" dirty="0">
+                <a:hlinkClick r:id="rId9" action="ppaction://hlinksldjump"/>
+              </a:rPr>
+              <a:t>Настройка отчетов </a:t>
+            </a:r>
+            <a:r>
+              <a:rPr lang="en-US" dirty="0">
+                <a:hlinkClick r:id="rId9" action="ppaction://hlinksldjump"/>
+              </a:rPr>
+              <a:t>Allure </a:t>
+            </a:r>
+            <a:r>
               <a:rPr lang="en-US" dirty="0"/>
-              <a:t>Test layout </a:t>
-            </a:r>
-            <a:r>
-              <a:rPr lang="en-US" dirty="0" smtClean="0"/>
-              <a:t>structure</a:t>
-            </a:r>
-          </a:p>
-          <a:p>
-            <a:r>
-              <a:rPr lang="ru-RU" dirty="0"/>
-              <a:t>Структура взаимодействия с </a:t>
-            </a:r>
-            <a:r>
-              <a:rPr lang="ru-RU" dirty="0" smtClean="0"/>
-              <a:t>системой</a:t>
-            </a:r>
-            <a:endParaRPr lang="en-US" dirty="0" smtClean="0"/>
-          </a:p>
-          <a:p>
-            <a:r>
-              <a:rPr lang="ru-RU" dirty="0"/>
-              <a:t>Настройки для работы с </a:t>
-            </a:r>
-            <a:r>
-              <a:rPr lang="en-US" dirty="0" err="1"/>
-              <a:t>json</a:t>
-            </a:r>
-            <a:r>
-              <a:rPr lang="en-US" dirty="0"/>
-              <a:t> </a:t>
-            </a:r>
-            <a:r>
-              <a:rPr lang="ru-RU" dirty="0" smtClean="0"/>
-              <a:t>файлами</a:t>
-            </a:r>
-            <a:endParaRPr lang="en-US" dirty="0" smtClean="0"/>
-          </a:p>
-          <a:p>
-            <a:r>
-              <a:rPr lang="ru-RU" dirty="0"/>
-              <a:t>Настройка </a:t>
-            </a:r>
-            <a:r>
-              <a:rPr lang="ru-RU" dirty="0" err="1" smtClean="0"/>
-              <a:t>логгирования</a:t>
-            </a:r>
-            <a:endParaRPr lang="en-US" dirty="0" smtClean="0"/>
-          </a:p>
-          <a:p>
-            <a:r>
-              <a:rPr lang="ru-RU" dirty="0"/>
-              <a:t>Настройка отчетов </a:t>
-            </a:r>
-            <a:r>
-              <a:rPr lang="en-US" dirty="0"/>
-              <a:t>Allure </a:t>
+              <a:t/>
             </a:r>
             <a:br>
               <a:rPr lang="en-US" dirty="0"/>
@@ -27676,12 +28310,12 @@
               <a:t>Структура тестового </a:t>
             </a:r>
             <a:r>
-              <a:rPr lang="ru-RU" sz="2800" b="1" dirty="0" err="1">
+              <a:rPr lang="ru-RU" sz="2800" b="1" dirty="0" smtClean="0">
                 <a:latin typeface="+mn-lt"/>
                 <a:ea typeface="+mn-ea"/>
                 <a:cs typeface="+mn-cs"/>
               </a:rPr>
-              <a:t>фреймворка</a:t>
+              <a:t>проекта</a:t>
             </a:r>
             <a:endParaRPr lang="ru-RU" sz="2800" b="1" dirty="0">
               <a:latin typeface="+mn-lt"/>
@@ -27834,6 +28468,13 @@
   <p:clrMapOvr>
     <a:overrideClrMapping bg1="lt1" tx1="dk1" bg2="lt2" tx2="dk2" accent1="accent1" accent2="accent2" accent3="accent3" accent4="accent4" accent5="accent5" accent6="accent6" hlink="hlink" folHlink="folHlink"/>
   </p:clrMapOvr>
+  <p:timing>
+    <p:tnLst>
+      <p:par>
+        <p:cTn id="1" dur="indefinite" restart="never" nodeType="tmRoot"/>
+      </p:par>
+    </p:tnLst>
+  </p:timing>
 </p:sld>
 </file>
 
@@ -27909,7 +28550,15 @@
                 <a:ea typeface="+mn-ea"/>
                 <a:cs typeface="+mn-cs"/>
               </a:rPr>
-              <a:t>testNG</a:t>
+              <a:t>T</a:t>
+            </a:r>
+            <a:r>
+              <a:rPr lang="en-US" sz="2800" b="1" dirty="0" err="1" smtClean="0">
+                <a:latin typeface="+mn-lt"/>
+                <a:ea typeface="+mn-ea"/>
+                <a:cs typeface="+mn-cs"/>
+              </a:rPr>
+              <a:t>estNG</a:t>
             </a:r>
             <a:endParaRPr lang="ru-RU" sz="2800" b="1" dirty="0">
               <a:latin typeface="+mn-lt"/>
@@ -30354,6 +31003,48 @@
             <a:r>
               <a:rPr lang="en-US" dirty="0" smtClean="0"/>
               <a:t>Test example</a:t>
+            </a:r>
+            <a:endParaRPr lang="ru-RU" dirty="0"/>
+          </a:p>
+        </p:txBody>
+      </p:sp>
+      <p:sp>
+        <p:nvSpPr>
+          <p:cNvPr id="6" name="TextBox 5"/>
+          <p:cNvSpPr txBox="1"/>
+          <p:nvPr/>
+        </p:nvSpPr>
+        <p:spPr>
+          <a:xfrm>
+            <a:off x="7146325" y="1335496"/>
+            <a:ext cx="2079159" cy="369332"/>
+          </a:xfrm>
+          <a:prstGeom prst="rect">
+            <a:avLst/>
+          </a:prstGeom>
+          <a:noFill/>
+        </p:spPr>
+        <p:txBody>
+          <a:bodyPr wrap="none" rtlCol="0">
+            <a:spAutoFit/>
+          </a:bodyPr>
+          <a:lstStyle/>
+          <a:p>
+            <a:r>
+              <a:rPr lang="en-US" dirty="0" smtClean="0"/>
+              <a:t>Test</a:t>
+            </a:r>
+            <a:r>
+              <a:rPr lang="en-US" dirty="0" smtClean="0"/>
+              <a:t>ing.xml</a:t>
+            </a:r>
+            <a:r>
+              <a:rPr lang="en-US" dirty="0" smtClean="0"/>
+              <a:t> </a:t>
+            </a:r>
+            <a:r>
+              <a:rPr lang="en-US" dirty="0" smtClean="0"/>
+              <a:t>example</a:t>
             </a:r>
             <a:endParaRPr lang="ru-RU" dirty="0"/>
           </a:p>
@@ -31331,6 +32022,49 @@
 </a:themeOverride>
 </file>
 
+<file path=ppt/theme/themeOverride19.xml><?xml version="1.0" encoding="utf-8"?>
+<a:themeOverride xmlns:a="http://schemas.openxmlformats.org/drawingml/2006/main">
+  <a:clrScheme name="Стандартная">
+    <a:dk1>
+      <a:sysClr val="windowText" lastClr="000000"/>
+    </a:dk1>
+    <a:lt1>
+      <a:sysClr val="window" lastClr="FFFFFF"/>
+    </a:lt1>
+    <a:dk2>
+      <a:srgbClr val="44546A"/>
+    </a:dk2>
+    <a:lt2>
+      <a:srgbClr val="E7E6E6"/>
+    </a:lt2>
+    <a:accent1>
+      <a:srgbClr val="5B9BD5"/>
+    </a:accent1>
+    <a:accent2>
+      <a:srgbClr val="ED7D31"/>
+    </a:accent2>
+    <a:accent3>
+      <a:srgbClr val="A5A5A5"/>
+    </a:accent3>
+    <a:accent4>
+      <a:srgbClr val="FFC000"/>
+    </a:accent4>
+    <a:accent5>
+      <a:srgbClr val="4472C4"/>
+    </a:accent5>
+    <a:accent6>
+      <a:srgbClr val="70AD47"/>
+    </a:accent6>
+    <a:hlink>
+      <a:srgbClr val="0563C1"/>
+    </a:hlink>
+    <a:folHlink>
+      <a:srgbClr val="954F72"/>
+    </a:folHlink>
+  </a:clrScheme>
+</a:themeOverride>
+</file>
+
 <file path=ppt/theme/themeOverride2.xml><?xml version="1.0" encoding="utf-8"?>
 <a:themeOverride xmlns:a="http://schemas.openxmlformats.org/drawingml/2006/main">
   <a:clrScheme name="Стандартная">
